--- a/tugas1/Tugas_algoritma_dan_flowchart.pptx
+++ b/tugas1/Tugas_algoritma_dan_flowchart.pptx
@@ -9,8 +9,10 @@
     <p:sldId id="256" r:id="rId3"/>
     <p:sldId id="257" r:id="rId4"/>
     <p:sldId id="260" r:id="rId5"/>
-    <p:sldId id="259" r:id="rId6"/>
-    <p:sldId id="261" r:id="rId7"/>
+    <p:sldId id="262" r:id="rId6"/>
+    <p:sldId id="259" r:id="rId7"/>
+    <p:sldId id="261" r:id="rId8"/>
+    <p:sldId id="263" r:id="rId9"/>
   </p:sldIdLst>
   <p:sldSz cx="9144000" cy="6858000" type="screen4x3"/>
   <p:notesSz cx="6858000" cy="9144000"/>
@@ -3984,17 +3986,6 @@
               </a:rPr>
               <a:t> Flowchart</a:t>
             </a:r>
-            <a:endParaRPr lang="en-US" altLang="ko-KR" sz="3600" b="1" dirty="0" smtClean="0">
-              <a:solidFill>
-                <a:schemeClr val="tx1">
-                  <a:lumMod val="75000"/>
-                  <a:lumOff val="25000"/>
-                </a:schemeClr>
-              </a:solidFill>
-              <a:latin typeface="Arial" pitchFamily="34" charset="0"/>
-              <a:ea typeface="맑은 고딕" pitchFamily="50" charset="-127"/>
-              <a:cs typeface="Arial" pitchFamily="34" charset="0"/>
-            </a:endParaRPr>
           </a:p>
         </p:txBody>
       </p:sp>
@@ -4222,71 +4213,47 @@
             </a:pPr>
             <a:r>
               <a:rPr lang="en-US" altLang="ko-KR" sz="1600" b="1" dirty="0" err="1" smtClean="0"/>
-              <a:t>ubah</a:t>
-            </a:r>
-            <a:r>
-              <a:rPr lang="en-US" altLang="ko-KR" sz="1600" b="1" dirty="0" smtClean="0"/>
-              <a:t> </a:t>
-            </a:r>
-            <a:r>
-              <a:rPr lang="en-US" altLang="ko-KR" sz="1600" b="1" dirty="0" err="1" smtClean="0"/>
-              <a:t>kata</a:t>
-            </a:r>
-            <a:r>
-              <a:rPr lang="en-US" altLang="ko-KR" sz="1600" b="1" dirty="0" smtClean="0"/>
-              <a:t> per </a:t>
-            </a:r>
-            <a:r>
-              <a:rPr lang="en-US" altLang="ko-KR" sz="1600" b="1" dirty="0" err="1" smtClean="0"/>
-              <a:t>huruf</a:t>
-            </a:r>
-            <a:r>
-              <a:rPr lang="en-US" altLang="ko-KR" sz="1600" b="1" dirty="0" smtClean="0"/>
-              <a:t> </a:t>
-            </a:r>
-            <a:r>
-              <a:rPr lang="en-US" altLang="ko-KR" sz="1600" b="1" dirty="0" err="1" smtClean="0"/>
-              <a:t>menjadi</a:t>
-            </a:r>
-            <a:r>
-              <a:rPr lang="en-US" altLang="ko-KR" sz="1600" b="1" dirty="0" smtClean="0"/>
-              <a:t> </a:t>
-            </a:r>
-            <a:r>
-              <a:rPr lang="en-US" altLang="ko-KR" sz="1600" b="1" dirty="0" err="1" smtClean="0"/>
-              <a:t>angka</a:t>
-            </a:r>
-            <a:r>
-              <a:rPr lang="en-US" altLang="ko-KR" sz="1600" b="1" dirty="0" smtClean="0"/>
-              <a:t> </a:t>
-            </a:r>
-            <a:r>
-              <a:rPr lang="en-US" altLang="ko-KR" sz="1600" b="1" dirty="0" err="1" smtClean="0"/>
-              <a:t>berdasarkan</a:t>
-            </a:r>
-            <a:r>
-              <a:rPr lang="en-US" altLang="ko-KR" sz="1600" b="1" dirty="0" smtClean="0"/>
-              <a:t> </a:t>
-            </a:r>
-            <a:r>
-              <a:rPr lang="en-US" altLang="ko-KR" sz="1600" b="1" dirty="0" err="1" smtClean="0"/>
-              <a:t>urutan</a:t>
-            </a:r>
-            <a:r>
-              <a:rPr lang="en-US" altLang="ko-KR" sz="1600" b="1" dirty="0" smtClean="0"/>
-              <a:t> </a:t>
-            </a:r>
-            <a:r>
-              <a:rPr lang="en-US" altLang="ko-KR" sz="1600" b="1" dirty="0" err="1" smtClean="0"/>
-              <a:t>abjad</a:t>
-            </a:r>
-            <a:r>
-              <a:rPr lang="en-US" altLang="ko-KR" sz="1600" b="1" dirty="0" smtClean="0"/>
-              <a:t> </a:t>
-            </a:r>
-            <a:r>
-              <a:rPr lang="en-US" altLang="ko-KR" sz="1600" b="1" dirty="0" err="1" smtClean="0"/>
-              <a:t>huruf</a:t>
+              <a:t>Buat</a:t>
+            </a:r>
+            <a:r>
+              <a:rPr lang="en-US" altLang="ko-KR" sz="1600" b="1" dirty="0" smtClean="0"/>
+              <a:t> </a:t>
+            </a:r>
+            <a:r>
+              <a:rPr lang="en-US" altLang="ko-KR" sz="1600" b="1" dirty="0" err="1" smtClean="0"/>
+              <a:t>variabel</a:t>
+            </a:r>
+            <a:r>
+              <a:rPr lang="en-US" altLang="ko-KR" sz="1600" b="1" dirty="0" smtClean="0"/>
+              <a:t> </a:t>
+            </a:r>
+            <a:r>
+              <a:rPr lang="en-US" altLang="ko-KR" sz="1600" b="1" dirty="0" err="1" smtClean="0"/>
+              <a:t>pembungkus</a:t>
+            </a:r>
+            <a:r>
+              <a:rPr lang="en-US" altLang="ko-KR" sz="1600" b="1" dirty="0" smtClean="0"/>
+              <a:t>, </a:t>
+            </a:r>
+            <a:r>
+              <a:rPr lang="en-US" altLang="ko-KR" sz="1600" b="1" dirty="0" err="1" smtClean="0"/>
+              <a:t>dalam</a:t>
+            </a:r>
+            <a:r>
+              <a:rPr lang="en-US" altLang="ko-KR" sz="1600" b="1" dirty="0" smtClean="0"/>
+              <a:t> </a:t>
+            </a:r>
+            <a:r>
+              <a:rPr lang="en-US" altLang="ko-KR" sz="1600" b="1" dirty="0" err="1" smtClean="0"/>
+              <a:t>kasus</a:t>
+            </a:r>
+            <a:r>
+              <a:rPr lang="en-US" altLang="ko-KR" sz="1600" b="1" dirty="0" smtClean="0"/>
+              <a:t> </a:t>
+            </a:r>
+            <a:r>
+              <a:rPr lang="en-US" altLang="ko-KR" sz="1600" b="1" dirty="0" err="1" smtClean="0"/>
+              <a:t>ini</a:t>
             </a:r>
             <a:r>
               <a:rPr lang="en-US" altLang="ko-KR" sz="1600" b="1" dirty="0" smtClean="0"/>
@@ -4298,7 +4265,15 @@
             </a:r>
             <a:r>
               <a:rPr lang="en-US" altLang="ko-KR" sz="1600" b="1" dirty="0" smtClean="0"/>
-              <a:t>: [811218]</a:t>
+              <a:t>: input, </a:t>
+            </a:r>
+            <a:r>
+              <a:rPr lang="en-US" altLang="ko-KR" sz="1600" b="1" dirty="0" err="1" smtClean="0"/>
+              <a:t>dan</a:t>
+            </a:r>
+            <a:r>
+              <a:rPr lang="en-US" altLang="ko-KR" sz="1600" b="1" dirty="0" smtClean="0"/>
+              <a:t> output</a:t>
             </a:r>
           </a:p>
           <a:p>
@@ -4308,43 +4283,19 @@
             </a:pPr>
             <a:r>
               <a:rPr lang="en-US" altLang="ko-KR" sz="1600" b="1" dirty="0" err="1" smtClean="0"/>
-              <a:t>pecah</a:t>
-            </a:r>
-            <a:r>
-              <a:rPr lang="en-US" altLang="ko-KR" sz="1600" b="1" dirty="0" smtClean="0"/>
-              <a:t> </a:t>
-            </a:r>
-            <a:r>
-              <a:rPr lang="en-US" altLang="ko-KR" sz="1600" b="1" dirty="0" err="1" smtClean="0"/>
-              <a:t>angka</a:t>
-            </a:r>
-            <a:r>
-              <a:rPr lang="en-US" altLang="ko-KR" sz="1600" b="1" dirty="0" smtClean="0"/>
-              <a:t> </a:t>
-            </a:r>
-            <a:r>
-              <a:rPr lang="en-US" altLang="ko-KR" sz="1600" b="1" dirty="0" err="1" smtClean="0"/>
-              <a:t>urutan</a:t>
-            </a:r>
-            <a:r>
-              <a:rPr lang="en-US" altLang="ko-KR" sz="1600" b="1" dirty="0" smtClean="0"/>
-              <a:t> </a:t>
-            </a:r>
-            <a:r>
-              <a:rPr lang="en-US" altLang="ko-KR" sz="1600" b="1" dirty="0" err="1" smtClean="0"/>
-              <a:t>abjad</a:t>
-            </a:r>
-            <a:r>
-              <a:rPr lang="en-US" altLang="ko-KR" sz="1600" b="1" dirty="0" smtClean="0"/>
-              <a:t> </a:t>
-            </a:r>
-            <a:r>
-              <a:rPr lang="en-US" altLang="ko-KR" sz="1600" b="1" dirty="0" err="1" smtClean="0"/>
-              <a:t>huruf</a:t>
-            </a:r>
-            <a:r>
-              <a:rPr lang="en-US" altLang="ko-KR" sz="1600" b="1" dirty="0" smtClean="0"/>
-              <a:t> </a:t>
+              <a:t>Isi</a:t>
+            </a:r>
+            <a:r>
+              <a:rPr lang="en-US" altLang="ko-KR" sz="1600" b="1" dirty="0" smtClean="0"/>
+              <a:t> </a:t>
+            </a:r>
+            <a:r>
+              <a:rPr lang="en-US" altLang="ko-KR" sz="1600" b="1" dirty="0" err="1" smtClean="0"/>
+              <a:t>variabel</a:t>
+            </a:r>
+            <a:r>
+              <a:rPr lang="en-US" altLang="ko-KR" sz="1600" b="1" dirty="0" smtClean="0"/>
+              <a:t> input </a:t>
             </a:r>
             <a:r>
               <a:rPr lang="en-US" altLang="ko-KR" sz="1600" b="1" dirty="0" err="1" smtClean="0"/>
@@ -4352,40 +4303,53 @@
             </a:r>
             <a:r>
               <a:rPr lang="en-US" altLang="ko-KR" sz="1600" b="1" dirty="0" smtClean="0"/>
-              <a:t> array </a:t>
-            </a:r>
-            <a:r>
-              <a:rPr lang="en-US" altLang="ko-KR" sz="1600" b="1" dirty="0" err="1" smtClean="0"/>
-              <a:t>menjadi</a:t>
-            </a:r>
-            <a:r>
-              <a:rPr lang="en-US" altLang="ko-KR" sz="1600" b="1" dirty="0" smtClean="0"/>
-              <a:t> [8,1,12,1,8] </a:t>
-            </a:r>
-            <a:r>
-              <a:rPr lang="en-US" altLang="ko-KR" sz="1600" b="1" dirty="0" err="1" smtClean="0"/>
-              <a:t>dengan</a:t>
-            </a:r>
-            <a:r>
-              <a:rPr lang="en-US" altLang="ko-KR" sz="1600" b="1" dirty="0" smtClean="0"/>
-              <a:t> </a:t>
-            </a:r>
-            <a:r>
-              <a:rPr lang="en-US" altLang="ko-KR" sz="1600" b="1" dirty="0" err="1" smtClean="0"/>
-              <a:t>urutan</a:t>
-            </a:r>
-            <a:r>
-              <a:rPr lang="en-US" altLang="ko-KR" sz="1600" b="1" dirty="0" smtClean="0"/>
-              <a:t> array default (x): 				  </a:t>
-            </a:r>
-            <a:r>
-              <a:rPr lang="en-US" altLang="ko-KR" sz="1600" b="1" dirty="0" smtClean="0"/>
-              <a:t>  0,1</a:t>
-            </a:r>
-            <a:r>
-              <a:rPr lang="en-US" altLang="ko-KR" sz="1600" b="1" dirty="0" smtClean="0"/>
-              <a:t>, 2, 3,4</a:t>
-            </a:r>
+              <a:t> </a:t>
+            </a:r>
+            <a:r>
+              <a:rPr lang="en-US" altLang="ko-KR" sz="1600" b="1" dirty="0" err="1" smtClean="0"/>
+              <a:t>kata</a:t>
+            </a:r>
+            <a:r>
+              <a:rPr lang="en-US" altLang="ko-KR" sz="1600" b="1" dirty="0" smtClean="0"/>
+              <a:t> yang </a:t>
+            </a:r>
+            <a:r>
+              <a:rPr lang="en-US" altLang="ko-KR" sz="1600" b="1" dirty="0" err="1" smtClean="0"/>
+              <a:t>sudah</a:t>
+            </a:r>
+            <a:r>
+              <a:rPr lang="en-US" altLang="ko-KR" sz="1600" b="1" dirty="0" smtClean="0"/>
+              <a:t> </a:t>
+            </a:r>
+            <a:r>
+              <a:rPr lang="en-US" altLang="ko-KR" sz="1600" b="1" dirty="0" err="1" smtClean="0"/>
+              <a:t>di</a:t>
+            </a:r>
+            <a:r>
+              <a:rPr lang="en-US" altLang="ko-KR" sz="1600" b="1" dirty="0" smtClean="0"/>
+              <a:t> input, </a:t>
+            </a:r>
+            <a:r>
+              <a:rPr lang="en-US" altLang="ko-KR" sz="1600" b="1" dirty="0" err="1" smtClean="0"/>
+              <a:t>variabel</a:t>
+            </a:r>
+            <a:r>
+              <a:rPr lang="en-US" altLang="ko-KR" sz="1600" b="1" dirty="0" smtClean="0"/>
+              <a:t> output </a:t>
+            </a:r>
+            <a:r>
+              <a:rPr lang="en-US" altLang="ko-KR" sz="1600" b="1" dirty="0" err="1" smtClean="0"/>
+              <a:t>biarkan</a:t>
+            </a:r>
+            <a:r>
+              <a:rPr lang="en-US" altLang="ko-KR" sz="1600" b="1" dirty="0" smtClean="0"/>
+              <a:t> </a:t>
+            </a:r>
+            <a:r>
+              <a:rPr lang="en-US" altLang="ko-KR" sz="1600" b="1" dirty="0" err="1" smtClean="0"/>
+              <a:t>kosong</a:t>
+            </a:r>
+            <a:endParaRPr lang="en-US" altLang="ko-KR" sz="1600" b="1" dirty="0" smtClean="0"/>
           </a:p>
           <a:p>
             <a:pPr marL="342900" indent="-342900">
@@ -4418,27 +4382,27 @@
             </a:r>
             <a:r>
               <a:rPr lang="en-US" altLang="ko-KR" sz="1600" b="1" dirty="0" err="1" smtClean="0"/>
-              <a:t>angka</a:t>
-            </a:r>
-            <a:r>
-              <a:rPr lang="en-US" altLang="ko-KR" sz="1600" b="1" dirty="0" smtClean="0"/>
-              <a:t> </a:t>
-            </a:r>
-            <a:r>
-              <a:rPr lang="en-US" altLang="ko-KR" sz="1600" b="1" dirty="0" err="1" smtClean="0"/>
-              <a:t>di</a:t>
-            </a:r>
-            <a:r>
-              <a:rPr lang="en-US" altLang="ko-KR" sz="1600" b="1" dirty="0" smtClean="0"/>
-              <a:t> </a:t>
-            </a:r>
-            <a:r>
-              <a:rPr lang="en-US" altLang="ko-KR" sz="1600" b="1" dirty="0" err="1" smtClean="0"/>
-              <a:t>dalam</a:t>
-            </a:r>
-            <a:r>
-              <a:rPr lang="en-US" altLang="ko-KR" sz="1600" b="1" dirty="0" smtClean="0"/>
-              <a:t> array-1) </a:t>
+              <a:t>huruf</a:t>
+            </a:r>
+            <a:r>
+              <a:rPr lang="en-US" altLang="ko-KR" sz="1600" b="1" dirty="0" smtClean="0"/>
+              <a:t> </a:t>
+            </a:r>
+            <a:r>
+              <a:rPr lang="en-US" altLang="ko-KR" sz="1600" b="1" dirty="0" err="1" smtClean="0"/>
+              <a:t>didalam</a:t>
+            </a:r>
+            <a:r>
+              <a:rPr lang="en-US" altLang="ko-KR" sz="1600" b="1" dirty="0" smtClean="0"/>
+              <a:t> </a:t>
+            </a:r>
+            <a:r>
+              <a:rPr lang="en-US" altLang="ko-KR" sz="1600" b="1" dirty="0" err="1" smtClean="0"/>
+              <a:t>variabel</a:t>
+            </a:r>
+            <a:r>
+              <a:rPr lang="en-US" altLang="ko-KR" sz="1600" b="1" dirty="0" smtClean="0"/>
+              <a:t> input) </a:t>
             </a:r>
             <a:r>
               <a:rPr lang="en-US" altLang="ko-KR" sz="1600" b="1" dirty="0" err="1" smtClean="0"/>
@@ -4462,7 +4426,7 @@
             </a:r>
             <a:r>
               <a:rPr lang="en-US" altLang="ko-KR" sz="1600" b="1" dirty="0" smtClean="0"/>
-              <a:t> array yang </a:t>
+              <a:t> yang </a:t>
             </a:r>
             <a:r>
               <a:rPr lang="en-US" altLang="ko-KR" sz="1600" b="1" dirty="0" err="1" smtClean="0"/>
@@ -4496,7 +4460,7 @@
             </a:r>
             <a:r>
               <a:rPr lang="en-US" altLang="ko-KR" sz="1600" b="1" dirty="0" err="1" smtClean="0"/>
-              <a:t>angka</a:t>
+              <a:t>huruf</a:t>
             </a:r>
             <a:r>
               <a:rPr lang="en-US" altLang="ko-KR" sz="1600" b="1" dirty="0" smtClean="0"/>
@@ -4516,7 +4480,7 @@
             </a:r>
             <a:r>
               <a:rPr lang="en-US" altLang="ko-KR" sz="1600" b="1" dirty="0" smtClean="0"/>
-              <a:t> x=5-1=4</a:t>
+              <a:t> x=5</a:t>
             </a:r>
           </a:p>
           <a:p>
@@ -4530,7 +4494,7 @@
             </a:r>
             <a:r>
               <a:rPr lang="en-US" altLang="ko-KR" sz="1600" b="1" dirty="0" smtClean="0"/>
-              <a:t> x&gt;=0 </a:t>
+              <a:t> x&gt;0 </a:t>
             </a:r>
             <a:r>
               <a:rPr lang="en-US" altLang="ko-KR" sz="1600" b="1" dirty="0" err="1" smtClean="0"/>
@@ -4542,31 +4506,127 @@
             </a:r>
             <a:r>
               <a:rPr lang="en-US" altLang="ko-KR" sz="1600" b="1" dirty="0" err="1" smtClean="0"/>
+              <a:t>maka</a:t>
+            </a:r>
+            <a:r>
+              <a:rPr lang="en-US" altLang="ko-KR" sz="1600" b="1" dirty="0" smtClean="0"/>
+              <a:t> </a:t>
+            </a:r>
+            <a:r>
+              <a:rPr lang="en-US" altLang="ko-KR" sz="1600" b="1" dirty="0" err="1" smtClean="0"/>
+              <a:t>isi</a:t>
+            </a:r>
+            <a:r>
+              <a:rPr lang="en-US" altLang="ko-KR" sz="1600" b="1" dirty="0" smtClean="0"/>
+              <a:t> </a:t>
+            </a:r>
+            <a:r>
+              <a:rPr lang="en-US" altLang="ko-KR" sz="1600" b="1" dirty="0" err="1" smtClean="0"/>
+              <a:t>variabel</a:t>
+            </a:r>
+            <a:r>
+              <a:rPr lang="en-US" altLang="ko-KR" sz="1600" b="1" dirty="0" smtClean="0"/>
+              <a:t> Output </a:t>
+            </a:r>
+            <a:r>
+              <a:rPr lang="en-US" altLang="ko-KR" sz="1600" b="1" dirty="0" err="1" smtClean="0"/>
+              <a:t>dengan</a:t>
+            </a:r>
+            <a:r>
+              <a:rPr lang="en-US" altLang="ko-KR" sz="1600" b="1" dirty="0" smtClean="0"/>
+              <a:t> (</a:t>
+            </a:r>
+            <a:r>
+              <a:rPr lang="en-US" altLang="ko-KR" sz="1600" b="1" dirty="0" err="1" smtClean="0"/>
+              <a:t>Isi</a:t>
+            </a:r>
+            <a:r>
+              <a:rPr lang="en-US" altLang="ko-KR" sz="1600" b="1" dirty="0" smtClean="0"/>
+              <a:t> </a:t>
+            </a:r>
+            <a:r>
+              <a:rPr lang="en-US" altLang="ko-KR" sz="1600" b="1" dirty="0" err="1" smtClean="0"/>
+              <a:t>variabel</a:t>
+            </a:r>
+            <a:r>
+              <a:rPr lang="en-US" altLang="ko-KR" sz="1600" b="1" dirty="0" smtClean="0"/>
+              <a:t> output </a:t>
+            </a:r>
+            <a:r>
+              <a:rPr lang="en-US" altLang="ko-KR" sz="1600" b="1" dirty="0" err="1" smtClean="0"/>
+              <a:t>saat</a:t>
+            </a:r>
+            <a:r>
+              <a:rPr lang="en-US" altLang="ko-KR" sz="1600" b="1" dirty="0" smtClean="0"/>
+              <a:t> </a:t>
+            </a:r>
+            <a:r>
+              <a:rPr lang="en-US" altLang="ko-KR" sz="1600" b="1" dirty="0" err="1" smtClean="0"/>
+              <a:t>ini</a:t>
+            </a:r>
+            <a:r>
+              <a:rPr lang="en-US" altLang="ko-KR" sz="1600" b="1" dirty="0" smtClean="0"/>
+              <a:t> + </a:t>
+            </a:r>
+            <a:r>
+              <a:rPr lang="en-US" altLang="ko-KR" sz="1600" b="1" dirty="0" err="1" smtClean="0"/>
+              <a:t>isi</a:t>
+            </a:r>
+            <a:r>
+              <a:rPr lang="en-US" altLang="ko-KR" sz="1600" b="1" dirty="0" smtClean="0"/>
+              <a:t> </a:t>
+            </a:r>
+            <a:r>
+              <a:rPr lang="en-US" altLang="ko-KR" sz="1600" b="1" dirty="0" err="1" smtClean="0"/>
+              <a:t>variabel</a:t>
+            </a:r>
+            <a:r>
+              <a:rPr lang="en-US" altLang="ko-KR" sz="1600" b="1" dirty="0" smtClean="0"/>
+              <a:t> input(</a:t>
+            </a:r>
+            <a:r>
+              <a:rPr lang="en-US" altLang="ko-KR" sz="1600" b="1" dirty="0" err="1" smtClean="0"/>
+              <a:t>ke</a:t>
+            </a:r>
+            <a:r>
+              <a:rPr lang="en-US" altLang="ko-KR" sz="1600" b="1" dirty="0" smtClean="0"/>
+              <a:t>-(x)) ). </a:t>
+            </a:r>
+            <a:r>
+              <a:rPr lang="en-US" altLang="ko-KR" sz="1600" b="1" dirty="0" err="1" smtClean="0"/>
+              <a:t>disini</a:t>
+            </a:r>
+            <a:r>
+              <a:rPr lang="en-US" altLang="ko-KR" sz="1600" b="1" dirty="0" smtClean="0"/>
+              <a:t> x=5 </a:t>
+            </a:r>
+            <a:r>
+              <a:rPr lang="en-US" altLang="ko-KR" sz="1600" b="1" dirty="0" err="1" smtClean="0"/>
+              <a:t>maka</a:t>
+            </a:r>
+            <a:r>
+              <a:rPr lang="en-US" altLang="ko-KR" sz="1600" b="1" dirty="0" smtClean="0"/>
+              <a:t> </a:t>
+            </a:r>
+            <a:r>
+              <a:rPr lang="en-US" altLang="ko-KR" sz="1600" b="1" dirty="0" err="1" smtClean="0"/>
               <a:t>tampilkan</a:t>
             </a:r>
             <a:r>
               <a:rPr lang="en-US" altLang="ko-KR" sz="1600" b="1" dirty="0" smtClean="0"/>
-              <a:t> </a:t>
-            </a:r>
-            <a:r>
-              <a:rPr lang="en-US" altLang="ko-KR" sz="1600" b="1" dirty="0" err="1" smtClean="0"/>
-              <a:t>angka</a:t>
-            </a:r>
-            <a:r>
-              <a:rPr lang="en-US" altLang="ko-KR" sz="1600" b="1" dirty="0" smtClean="0"/>
-              <a:t> </a:t>
-            </a:r>
-            <a:r>
-              <a:rPr lang="en-US" altLang="ko-KR" sz="1600" b="1" dirty="0" err="1" smtClean="0"/>
-              <a:t>di</a:t>
-            </a:r>
-            <a:r>
-              <a:rPr lang="en-US" altLang="ko-KR" sz="1600" b="1" dirty="0" smtClean="0"/>
-              <a:t> </a:t>
-            </a:r>
-            <a:r>
-              <a:rPr lang="en-US" altLang="ko-KR" sz="1600" b="1" dirty="0" err="1" smtClean="0"/>
-              <a:t>urutan</a:t>
+              <a:t> (m) </a:t>
+            </a:r>
+            <a:r>
+              <a:rPr lang="en-US" altLang="ko-KR" sz="1600" b="1" dirty="0" err="1" smtClean="0"/>
+              <a:t>dan</a:t>
+            </a:r>
+            <a:r>
+              <a:rPr lang="en-US" altLang="ko-KR" sz="1600" b="1" dirty="0" smtClean="0"/>
+              <a:t> </a:t>
+            </a:r>
+            <a:r>
+              <a:rPr lang="en-US" altLang="ko-KR" sz="1600" b="1" dirty="0" err="1" smtClean="0"/>
+              <a:t>lanjutkan</a:t>
             </a:r>
             <a:r>
               <a:rPr lang="en-US" altLang="ko-KR" sz="1600" b="1" dirty="0" smtClean="0"/>
@@ -4578,95 +4638,31 @@
             </a:r>
             <a:r>
               <a:rPr lang="en-US" altLang="ko-KR" sz="1600" b="1" dirty="0" smtClean="0"/>
+              <a:t> </a:t>
+            </a:r>
+            <a:r>
+              <a:rPr lang="en-US" altLang="ko-KR" sz="1600" b="1" dirty="0" err="1" smtClean="0"/>
+              <a:t>rumus</a:t>
+            </a:r>
+            <a:r>
+              <a:rPr lang="en-US" altLang="ko-KR" sz="1600" b="1" dirty="0" smtClean="0"/>
+              <a:t> x=x-1 (x=5-1=4) </a:t>
+            </a:r>
+            <a:r>
+              <a:rPr lang="en-US" altLang="ko-KR" sz="1600" b="1" dirty="0" err="1" smtClean="0"/>
+              <a:t>jika</a:t>
+            </a:r>
+            <a:r>
+              <a:rPr lang="en-US" altLang="ko-KR" sz="1600" b="1" dirty="0" smtClean="0"/>
               <a:t> x </a:t>
             </a:r>
             <a:r>
               <a:rPr lang="en-US" altLang="ko-KR" sz="1600" b="1" dirty="0" err="1" smtClean="0"/>
-              <a:t>tersebut</a:t>
-            </a:r>
-            <a:r>
-              <a:rPr lang="en-US" altLang="ko-KR" sz="1600" b="1" dirty="0" smtClean="0"/>
-              <a:t> </a:t>
-            </a:r>
-            <a:r>
-              <a:rPr lang="en-US" altLang="ko-KR" sz="1600" b="1" dirty="0" err="1" smtClean="0"/>
-              <a:t>disini</a:t>
-            </a:r>
-            <a:r>
-              <a:rPr lang="en-US" altLang="ko-KR" sz="1600" b="1" dirty="0" smtClean="0"/>
-              <a:t> 4 </a:t>
-            </a:r>
-            <a:r>
-              <a:rPr lang="en-US" altLang="ko-KR" sz="1600" b="1" dirty="0" err="1" smtClean="0"/>
-              <a:t>maka</a:t>
-            </a:r>
-            <a:r>
-              <a:rPr lang="en-US" altLang="ko-KR" sz="1600" b="1" dirty="0" smtClean="0"/>
-              <a:t> </a:t>
-            </a:r>
-            <a:r>
-              <a:rPr lang="en-US" altLang="ko-KR" sz="1600" b="1" dirty="0" err="1" smtClean="0"/>
-              <a:t>tampilkan</a:t>
-            </a:r>
-            <a:r>
-              <a:rPr lang="en-US" altLang="ko-KR" sz="1600" b="1" dirty="0" smtClean="0"/>
-              <a:t> </a:t>
-            </a:r>
-            <a:r>
-              <a:rPr lang="en-US" altLang="ko-KR" sz="1600" b="1" dirty="0" err="1" smtClean="0"/>
-              <a:t>angka</a:t>
-            </a:r>
-            <a:r>
-              <a:rPr lang="en-US" altLang="ko-KR" sz="1600" b="1" dirty="0" smtClean="0"/>
-              <a:t> 8 </a:t>
-            </a:r>
-            <a:r>
-              <a:rPr lang="en-US" altLang="ko-KR" sz="1600" b="1" dirty="0" err="1" smtClean="0"/>
-              <a:t>dan</a:t>
-            </a:r>
-            <a:r>
-              <a:rPr lang="en-US" altLang="ko-KR" sz="1600" b="1" dirty="0" smtClean="0"/>
-              <a:t> </a:t>
-            </a:r>
-            <a:r>
-              <a:rPr lang="en-US" altLang="ko-KR" sz="1600" b="1" dirty="0" err="1" smtClean="0"/>
-              <a:t>lanjutkan</a:t>
-            </a:r>
-            <a:r>
-              <a:rPr lang="en-US" altLang="ko-KR" sz="1600" b="1" dirty="0" smtClean="0"/>
-              <a:t> </a:t>
-            </a:r>
-            <a:r>
-              <a:rPr lang="en-US" altLang="ko-KR" sz="1600" b="1" dirty="0" err="1" smtClean="0"/>
-              <a:t>ke</a:t>
-            </a:r>
-            <a:r>
-              <a:rPr lang="en-US" altLang="ko-KR" sz="1600" b="1" dirty="0" smtClean="0"/>
-              <a:t> </a:t>
-            </a:r>
-            <a:r>
-              <a:rPr lang="en-US" altLang="ko-KR" sz="1600" b="1" dirty="0" err="1" smtClean="0"/>
-              <a:t>rumus</a:t>
-            </a:r>
-            <a:r>
-              <a:rPr lang="en-US" altLang="ko-KR" sz="1600" b="1" dirty="0" smtClean="0"/>
-              <a:t> x=x-1 (x=4-1=3) </a:t>
-            </a:r>
-            <a:r>
-              <a:rPr lang="en-US" altLang="ko-KR" sz="1600" b="1" dirty="0" err="1" smtClean="0"/>
-              <a:t>jika</a:t>
-            </a:r>
-            <a:r>
-              <a:rPr lang="en-US" altLang="ko-KR" sz="1600" b="1" dirty="0" smtClean="0"/>
-              <a:t> x </a:t>
-            </a:r>
-            <a:r>
-              <a:rPr lang="en-US" altLang="ko-KR" sz="1600" b="1" dirty="0" err="1" smtClean="0"/>
               <a:t>masih</a:t>
             </a:r>
             <a:r>
               <a:rPr lang="en-US" altLang="ko-KR" sz="1600" b="1" dirty="0" smtClean="0"/>
-              <a:t> &gt;=0 </a:t>
+              <a:t> &gt;0 </a:t>
             </a:r>
             <a:r>
               <a:rPr lang="en-US" altLang="ko-KR" sz="1600" b="1" dirty="0" err="1" smtClean="0"/>
@@ -4701,7 +4697,7 @@
             </a:r>
             <a:r>
               <a:rPr lang="en-US" altLang="ko-KR" sz="1600" b="1" dirty="0" smtClean="0"/>
-              <a:t> x&lt;=0 </a:t>
+              <a:t> x&lt;0 </a:t>
             </a:r>
             <a:r>
               <a:rPr lang="en-US" altLang="ko-KR" sz="1600" b="1" dirty="0" err="1" smtClean="0"/>
@@ -4717,71 +4713,31 @@
             </a:r>
             <a:r>
               <a:rPr lang="en-US" altLang="ko-KR" sz="1600" b="1" dirty="0" smtClean="0"/>
-              <a:t> output </a:t>
-            </a:r>
-            <a:r>
-              <a:rPr lang="en-US" altLang="ko-KR" sz="1600" b="1" dirty="0" err="1" smtClean="0"/>
-              <a:t>susunan</a:t>
-            </a:r>
-            <a:r>
-              <a:rPr lang="en-US" altLang="ko-KR" sz="1600" b="1" dirty="0" smtClean="0"/>
-              <a:t> </a:t>
-            </a:r>
-            <a:r>
-              <a:rPr lang="en-US" altLang="ko-KR" sz="1600" b="1" dirty="0" err="1" smtClean="0"/>
-              <a:t>angka</a:t>
-            </a:r>
-            <a:r>
-              <a:rPr lang="en-US" altLang="ko-KR" sz="1600" b="1" dirty="0" smtClean="0"/>
-              <a:t> yang </a:t>
-            </a:r>
-            <a:r>
-              <a:rPr lang="en-US" altLang="ko-KR" sz="1600" b="1" dirty="0" err="1" smtClean="0"/>
-              <a:t>sudah</a:t>
-            </a:r>
-            <a:r>
-              <a:rPr lang="en-US" altLang="ko-KR" sz="1600" b="1" dirty="0" smtClean="0"/>
-              <a:t> </a:t>
-            </a:r>
-            <a:r>
-              <a:rPr lang="en-US" altLang="ko-KR" sz="1600" b="1" dirty="0" err="1" smtClean="0"/>
-              <a:t>di</a:t>
-            </a:r>
-            <a:r>
-              <a:rPr lang="en-US" altLang="ko-KR" sz="1600" b="1" dirty="0" smtClean="0"/>
-              <a:t> </a:t>
-            </a:r>
-            <a:r>
-              <a:rPr lang="en-US" altLang="ko-KR" sz="1600" b="1" dirty="0" err="1" smtClean="0"/>
-              <a:t>proses</a:t>
-            </a:r>
-            <a:r>
-              <a:rPr lang="en-US" altLang="ko-KR" sz="1600" b="1" dirty="0" smtClean="0"/>
-              <a:t>, </a:t>
-            </a:r>
-            <a:r>
-              <a:rPr lang="en-US" altLang="ko-KR" sz="1600" b="1" dirty="0" err="1" smtClean="0"/>
-              <a:t>dalam</a:t>
-            </a:r>
-            <a:r>
-              <a:rPr lang="en-US" altLang="ko-KR" sz="1600" b="1" dirty="0" smtClean="0"/>
-              <a:t> </a:t>
-            </a:r>
-            <a:r>
-              <a:rPr lang="en-US" altLang="ko-KR" sz="1600" b="1" dirty="0" err="1" smtClean="0"/>
-              <a:t>kasus</a:t>
-            </a:r>
-            <a:r>
-              <a:rPr lang="en-US" altLang="ko-KR" sz="1600" b="1" dirty="0" smtClean="0"/>
-              <a:t> </a:t>
-            </a:r>
-            <a:r>
-              <a:rPr lang="en-US" altLang="ko-KR" sz="1600" b="1" dirty="0" err="1" smtClean="0"/>
-              <a:t>ini</a:t>
-            </a:r>
-            <a:r>
-              <a:rPr lang="en-US" altLang="ko-KR" sz="1600" b="1" dirty="0" smtClean="0"/>
-              <a:t> 8,1,12,1,8</a:t>
+              <a:t> </a:t>
+            </a:r>
+            <a:r>
+              <a:rPr lang="en-US" altLang="ko-KR" sz="1600" b="1" dirty="0" err="1" smtClean="0"/>
+              <a:t>isi</a:t>
+            </a:r>
+            <a:r>
+              <a:rPr lang="en-US" altLang="ko-KR" sz="1600" b="1" dirty="0" smtClean="0"/>
+              <a:t> </a:t>
+            </a:r>
+            <a:r>
+              <a:rPr lang="en-US" altLang="ko-KR" sz="1600" b="1" dirty="0" err="1" smtClean="0"/>
+              <a:t>dari</a:t>
+            </a:r>
+            <a:r>
+              <a:rPr lang="en-US" altLang="ko-KR" sz="1600" b="1" dirty="0" smtClean="0"/>
+              <a:t> </a:t>
+            </a:r>
+            <a:r>
+              <a:rPr lang="en-US" altLang="ko-KR" sz="1600" b="1" dirty="0" err="1" smtClean="0"/>
+              <a:t>variabel</a:t>
+            </a:r>
+            <a:r>
+              <a:rPr lang="en-US" altLang="ko-KR" sz="1600" b="1" dirty="0" smtClean="0"/>
+              <a:t> output</a:t>
             </a:r>
           </a:p>
           <a:p>
@@ -4791,51 +4747,35 @@
             </a:pPr>
             <a:r>
               <a:rPr lang="en-US" altLang="ko-KR" sz="1600" b="1" dirty="0" err="1" smtClean="0"/>
-              <a:t>apabila</a:t>
-            </a:r>
-            <a:r>
-              <a:rPr lang="en-US" altLang="ko-KR" sz="1600" b="1" dirty="0" smtClean="0"/>
-              <a:t> </a:t>
-            </a:r>
-            <a:r>
-              <a:rPr lang="en-US" altLang="ko-KR" sz="1600" b="1" dirty="0" err="1" smtClean="0"/>
-              <a:t>angka</a:t>
-            </a:r>
-            <a:r>
-              <a:rPr lang="en-US" altLang="ko-KR" sz="1600" b="1" dirty="0" smtClean="0"/>
-              <a:t> output </a:t>
-            </a:r>
-            <a:r>
-              <a:rPr lang="en-US" altLang="ko-KR" sz="1600" b="1" dirty="0" err="1" smtClean="0"/>
-              <a:t>sama</a:t>
-            </a:r>
-            <a:r>
-              <a:rPr lang="en-US" altLang="ko-KR" sz="1600" b="1" dirty="0" smtClean="0"/>
-              <a:t> </a:t>
-            </a:r>
-            <a:r>
-              <a:rPr lang="en-US" altLang="ko-KR" sz="1600" b="1" dirty="0" err="1" smtClean="0"/>
-              <a:t>dengan</a:t>
-            </a:r>
-            <a:r>
-              <a:rPr lang="en-US" altLang="ko-KR" sz="1600" b="1" dirty="0" smtClean="0"/>
-              <a:t> </a:t>
-            </a:r>
-            <a:r>
-              <a:rPr lang="en-US" altLang="ko-KR" sz="1600" b="1" dirty="0" err="1" smtClean="0"/>
-              <a:t>angka</a:t>
+              <a:t>jika</a:t>
+            </a:r>
+            <a:r>
+              <a:rPr lang="en-US" altLang="ko-KR" sz="1600" b="1" dirty="0" smtClean="0"/>
+              <a:t> </a:t>
+            </a:r>
+            <a:r>
+              <a:rPr lang="en-US" altLang="ko-KR" sz="1600" b="1" dirty="0" err="1" smtClean="0"/>
+              <a:t>isi</a:t>
+            </a:r>
+            <a:r>
+              <a:rPr lang="en-US" altLang="ko-KR" sz="1600" b="1" dirty="0" smtClean="0"/>
+              <a:t> </a:t>
+            </a:r>
+            <a:r>
+              <a:rPr lang="en-US" altLang="ko-KR" sz="1600" b="1" dirty="0" err="1" smtClean="0"/>
+              <a:t>variabel</a:t>
+            </a:r>
+            <a:r>
+              <a:rPr lang="en-US" altLang="ko-KR" sz="1600" b="1" dirty="0" smtClean="0"/>
+              <a:t> output = </a:t>
+            </a:r>
+            <a:r>
+              <a:rPr lang="en-US" altLang="ko-KR" sz="1600" b="1" dirty="0" err="1" smtClean="0"/>
+              <a:t>variabel</a:t>
             </a:r>
             <a:r>
               <a:rPr lang="en-US" altLang="ko-KR" sz="1600" b="1" dirty="0" smtClean="0"/>
               <a:t> input </a:t>
-            </a:r>
-            <a:r>
-              <a:rPr lang="en-US" altLang="ko-KR" sz="1600" b="1" dirty="0" err="1" smtClean="0"/>
-              <a:t>setelah</a:t>
-            </a:r>
-            <a:r>
-              <a:rPr lang="en-US" altLang="ko-KR" sz="1600" b="1" dirty="0" smtClean="0"/>
-              <a:t> array </a:t>
             </a:r>
             <a:r>
               <a:rPr lang="en-US" altLang="ko-KR" sz="1600" b="1" dirty="0" err="1" smtClean="0"/>
@@ -4996,11 +4936,7 @@
             <a:pPr lvl="0"/>
             <a:r>
               <a:rPr lang="en-US" altLang="ko-KR" b="1" dirty="0" smtClean="0"/>
-              <a:t>2</a:t>
-            </a:r>
-            <a:r>
-              <a:rPr lang="en-US" altLang="ko-KR" b="1" dirty="0" smtClean="0"/>
-              <a:t>. </a:t>
+              <a:t>2. </a:t>
             </a:r>
             <a:r>
               <a:rPr lang="en-US" altLang="ko-KR" b="1" dirty="0" err="1" smtClean="0"/>
@@ -5121,75 +5057,27 @@
             </a:pPr>
             <a:r>
               <a:rPr lang="en-US" altLang="ko-KR" sz="1600" b="1" dirty="0" err="1" smtClean="0"/>
-              <a:t>Pisah</a:t>
-            </a:r>
-            <a:r>
-              <a:rPr lang="en-US" altLang="ko-KR" sz="1600" b="1" dirty="0" smtClean="0"/>
-              <a:t> </a:t>
-            </a:r>
-            <a:r>
-              <a:rPr lang="en-US" altLang="ko-KR" sz="1600" b="1" dirty="0" err="1" smtClean="0"/>
-              <a:t>kalimat</a:t>
-            </a:r>
-            <a:r>
-              <a:rPr lang="en-US" altLang="ko-KR" sz="1600" b="1" dirty="0" smtClean="0"/>
-              <a:t> </a:t>
-            </a:r>
-            <a:r>
-              <a:rPr lang="en-US" altLang="ko-KR" sz="1600" b="1" dirty="0" err="1" smtClean="0"/>
-              <a:t>perkata</a:t>
-            </a:r>
-            <a:r>
-              <a:rPr lang="en-US" altLang="ko-KR" sz="1600" b="1" dirty="0" smtClean="0"/>
-              <a:t> </a:t>
-            </a:r>
-            <a:r>
-              <a:rPr lang="en-US" altLang="ko-KR" sz="1600" b="1" dirty="0" err="1" smtClean="0"/>
-              <a:t>dengan</a:t>
-            </a:r>
-            <a:r>
-              <a:rPr lang="en-US" altLang="ko-KR" sz="1600" b="1" dirty="0" smtClean="0"/>
-              <a:t> </a:t>
-            </a:r>
-            <a:r>
-              <a:rPr lang="en-US" altLang="ko-KR" sz="1600" b="1" dirty="0" err="1" smtClean="0"/>
-              <a:t>indikasi</a:t>
-            </a:r>
-            <a:r>
-              <a:rPr lang="en-US" altLang="ko-KR" sz="1600" b="1" dirty="0" smtClean="0"/>
-              <a:t>: </a:t>
-            </a:r>
-            <a:r>
-              <a:rPr lang="en-US" altLang="ko-KR" sz="1600" b="1" dirty="0" err="1" smtClean="0"/>
-              <a:t>jika</a:t>
-            </a:r>
-            <a:r>
-              <a:rPr lang="en-US" altLang="ko-KR" sz="1600" b="1" dirty="0" smtClean="0"/>
-              <a:t> </a:t>
-            </a:r>
-            <a:r>
-              <a:rPr lang="en-US" altLang="ko-KR" sz="1600" b="1" dirty="0" err="1" smtClean="0"/>
-              <a:t>ada</a:t>
-            </a:r>
-            <a:r>
-              <a:rPr lang="en-US" altLang="ko-KR" sz="1600" b="1" dirty="0" smtClean="0"/>
-              <a:t> </a:t>
-            </a:r>
-            <a:r>
-              <a:rPr lang="en-US" altLang="ko-KR" sz="1600" b="1" dirty="0" err="1" smtClean="0"/>
-              <a:t>satu</a:t>
-            </a:r>
-            <a:r>
-              <a:rPr lang="en-US" altLang="ko-KR" sz="1600" b="1" dirty="0" smtClean="0"/>
-              <a:t> </a:t>
-            </a:r>
-            <a:r>
-              <a:rPr lang="en-US" altLang="ko-KR" sz="1600" b="1" dirty="0" err="1" smtClean="0"/>
-              <a:t>spasi</a:t>
-            </a:r>
-            <a:r>
-              <a:rPr lang="en-US" altLang="ko-KR" sz="1600" b="1" dirty="0" smtClean="0"/>
-              <a:t> </a:t>
+              <a:t>Buat</a:t>
+            </a:r>
+            <a:r>
+              <a:rPr lang="en-US" altLang="ko-KR" sz="1600" b="1" dirty="0" smtClean="0"/>
+              <a:t> </a:t>
+            </a:r>
+            <a:r>
+              <a:rPr lang="en-US" altLang="ko-KR" sz="1600" b="1" dirty="0" err="1" smtClean="0"/>
+              <a:t>variabel</a:t>
+            </a:r>
+            <a:r>
+              <a:rPr lang="en-US" altLang="ko-KR" sz="1600" b="1" dirty="0" smtClean="0"/>
+              <a:t> </a:t>
+            </a:r>
+            <a:r>
+              <a:rPr lang="en-US" altLang="ko-KR" sz="1600" b="1" dirty="0" err="1" smtClean="0"/>
+              <a:t>pembungkus</a:t>
+            </a:r>
+            <a:r>
+              <a:rPr lang="en-US" altLang="ko-KR" sz="1600" b="1" dirty="0" smtClean="0"/>
+              <a:t>, </a:t>
             </a:r>
             <a:r>
               <a:rPr lang="en-US" altLang="ko-KR" sz="1600" b="1" dirty="0" err="1" smtClean="0"/>
@@ -5201,77 +5089,36 @@
             </a:r>
             <a:r>
               <a:rPr lang="en-US" altLang="ko-KR" sz="1600" b="1" dirty="0" err="1" smtClean="0"/>
-              <a:t>suatu</a:t>
-            </a:r>
-            <a:r>
-              <a:rPr lang="en-US" altLang="ko-KR" sz="1600" b="1" dirty="0" smtClean="0"/>
-              <a:t> </a:t>
-            </a:r>
-            <a:r>
-              <a:rPr lang="en-US" altLang="ko-KR" sz="1600" b="1" dirty="0" err="1" smtClean="0"/>
-              <a:t>kalimat</a:t>
-            </a:r>
-            <a:r>
-              <a:rPr lang="en-US" altLang="ko-KR" sz="1600" b="1" dirty="0" smtClean="0"/>
-              <a:t> </a:t>
-            </a:r>
-            <a:r>
-              <a:rPr lang="en-US" altLang="ko-KR" sz="1600" b="1" dirty="0" err="1" smtClean="0"/>
-              <a:t>maka</a:t>
-            </a:r>
-            <a:r>
-              <a:rPr lang="en-US" altLang="ko-KR" sz="1600" b="1" dirty="0" smtClean="0"/>
-              <a:t> </a:t>
-            </a:r>
-            <a:r>
-              <a:rPr lang="en-US" altLang="ko-KR" sz="1600" b="1" dirty="0" err="1" smtClean="0"/>
-              <a:t>akan</a:t>
-            </a:r>
-            <a:r>
-              <a:rPr lang="en-US" altLang="ko-KR" sz="1600" b="1" dirty="0" smtClean="0"/>
-              <a:t> </a:t>
-            </a:r>
-            <a:r>
-              <a:rPr lang="en-US" altLang="ko-KR" sz="1600" b="1" dirty="0" err="1" smtClean="0"/>
-              <a:t>menjadi</a:t>
-            </a:r>
-            <a:r>
-              <a:rPr lang="en-US" altLang="ko-KR" sz="1600" b="1" dirty="0" smtClean="0"/>
-              <a:t> </a:t>
-            </a:r>
-            <a:r>
-              <a:rPr lang="en-US" altLang="ko-KR" sz="1600" b="1" dirty="0" err="1" smtClean="0"/>
-              <a:t>dua</a:t>
-            </a:r>
-            <a:r>
-              <a:rPr lang="en-US" altLang="ko-KR" sz="1600" b="1" dirty="0" smtClean="0"/>
-              <a:t> </a:t>
-            </a:r>
-            <a:r>
-              <a:rPr lang="en-US" altLang="ko-KR" sz="1600" b="1" dirty="0" err="1" smtClean="0"/>
-              <a:t>kata</a:t>
-            </a:r>
-            <a:r>
-              <a:rPr lang="en-US" altLang="ko-KR" sz="1600" b="1" dirty="0" smtClean="0"/>
-              <a:t>, </a:t>
-            </a:r>
-            <a:r>
-              <a:rPr lang="en-US" altLang="ko-KR" sz="1600" b="1" dirty="0" err="1" smtClean="0"/>
-              <a:t>berlaku</a:t>
-            </a:r>
-            <a:r>
-              <a:rPr lang="en-US" altLang="ko-KR" sz="1600" b="1" dirty="0" smtClean="0"/>
-              <a:t> </a:t>
-            </a:r>
-            <a:r>
-              <a:rPr lang="en-US" altLang="ko-KR" sz="1600" b="1" dirty="0" err="1" smtClean="0"/>
-              <a:t>kelipatan</a:t>
-            </a:r>
-            <a:r>
-              <a:rPr lang="en-US" altLang="ko-KR" sz="1600" b="1" dirty="0" smtClean="0"/>
-              <a:t>.</a:t>
-            </a:r>
-            <a:endParaRPr lang="en-US" altLang="ko-KR" sz="1600" b="1" dirty="0" smtClean="0"/>
+              <a:t>kasus</a:t>
+            </a:r>
+            <a:r>
+              <a:rPr lang="en-US" altLang="ko-KR" sz="1600" b="1" dirty="0" smtClean="0"/>
+              <a:t> </a:t>
+            </a:r>
+            <a:r>
+              <a:rPr lang="en-US" altLang="ko-KR" sz="1600" b="1" dirty="0" err="1" smtClean="0"/>
+              <a:t>ini</a:t>
+            </a:r>
+            <a:r>
+              <a:rPr lang="en-US" altLang="ko-KR" sz="1600" b="1" dirty="0" smtClean="0"/>
+              <a:t> </a:t>
+            </a:r>
+            <a:r>
+              <a:rPr lang="en-US" altLang="ko-KR" sz="1600" b="1" dirty="0" err="1" smtClean="0"/>
+              <a:t>misal</a:t>
+            </a:r>
+            <a:r>
+              <a:rPr lang="en-US" altLang="ko-KR" sz="1600" b="1" dirty="0" smtClean="0"/>
+              <a:t>: input, temp, </a:t>
+            </a:r>
+            <a:r>
+              <a:rPr lang="en-US" altLang="ko-KR" sz="1600" b="1" dirty="0" err="1" smtClean="0"/>
+              <a:t>dan</a:t>
+            </a:r>
+            <a:r>
+              <a:rPr lang="en-US" altLang="ko-KR" sz="1600" b="1" dirty="0" smtClean="0"/>
+              <a:t> output</a:t>
+            </a:r>
           </a:p>
           <a:p>
             <a:pPr marL="342900" indent="-342900">
@@ -5279,8 +5126,28 @@
               <a:buAutoNum type="arabicPeriod"/>
             </a:pPr>
             <a:r>
-              <a:rPr lang="en-US" altLang="ko-KR" sz="1600" b="1" dirty="0" smtClean="0"/>
-              <a:t>Input </a:t>
+              <a:rPr lang="en-US" altLang="ko-KR" sz="1600" b="1" dirty="0" err="1" smtClean="0"/>
+              <a:t>Isi</a:t>
+            </a:r>
+            <a:r>
+              <a:rPr lang="en-US" altLang="ko-KR" sz="1600" b="1" dirty="0" smtClean="0"/>
+              <a:t> </a:t>
+            </a:r>
+            <a:r>
+              <a:rPr lang="en-US" altLang="ko-KR" sz="1600" b="1" dirty="0" err="1" smtClean="0"/>
+              <a:t>variabel</a:t>
+            </a:r>
+            <a:r>
+              <a:rPr lang="en-US" altLang="ko-KR" sz="1600" b="1" dirty="0" smtClean="0"/>
+              <a:t> input </a:t>
+            </a:r>
+            <a:r>
+              <a:rPr lang="en-US" altLang="ko-KR" sz="1600" b="1" dirty="0" err="1" smtClean="0"/>
+              <a:t>dengan</a:t>
+            </a:r>
+            <a:r>
+              <a:rPr lang="en-US" altLang="ko-KR" sz="1600" b="1" dirty="0" smtClean="0"/>
+              <a:t> </a:t>
             </a:r>
             <a:r>
               <a:rPr lang="en-US" altLang="ko-KR" sz="1600" b="1" dirty="0" err="1" smtClean="0"/>
@@ -5304,71 +5171,35 @@
             </a:r>
             <a:r>
               <a:rPr lang="en-US" altLang="ko-KR" sz="1600" b="1" dirty="0" smtClean="0"/>
-              <a:t> </a:t>
-            </a:r>
-            <a:r>
-              <a:rPr lang="en-US" altLang="ko-KR" sz="1600" b="1" dirty="0" err="1" smtClean="0"/>
-              <a:t>pisah</a:t>
-            </a:r>
-            <a:r>
-              <a:rPr lang="en-US" altLang="ko-KR" sz="1600" b="1" dirty="0" smtClean="0"/>
-              <a:t> </a:t>
-            </a:r>
-            <a:r>
-              <a:rPr lang="en-US" altLang="ko-KR" sz="1600" b="1" dirty="0" err="1" smtClean="0"/>
-              <a:t>ke</a:t>
-            </a:r>
-            <a:r>
-              <a:rPr lang="en-US" altLang="ko-KR" sz="1600" b="1" dirty="0" smtClean="0"/>
-              <a:t> </a:t>
-            </a:r>
-            <a:r>
-              <a:rPr lang="en-US" altLang="ko-KR" sz="1600" b="1" dirty="0" err="1" smtClean="0"/>
-              <a:t>dalam</a:t>
-            </a:r>
-            <a:r>
-              <a:rPr lang="en-US" altLang="ko-KR" sz="1600" b="1" dirty="0" smtClean="0"/>
-              <a:t> array [</a:t>
-            </a:r>
-            <a:r>
-              <a:rPr lang="en-US" altLang="ko-KR" sz="1600" b="1" dirty="0" err="1" smtClean="0"/>
-              <a:t>saya</a:t>
-            </a:r>
-            <a:r>
-              <a:rPr lang="en-US" altLang="ko-KR" sz="1600" b="1" dirty="0" smtClean="0"/>
-              <a:t>, </a:t>
-            </a:r>
-            <a:r>
-              <a:rPr lang="en-US" altLang="ko-KR" sz="1600" b="1" dirty="0" err="1" smtClean="0"/>
-              <a:t>belajar</a:t>
-            </a:r>
-            <a:r>
-              <a:rPr lang="en-US" altLang="ko-KR" sz="1600" b="1" dirty="0" smtClean="0"/>
-              <a:t>, </a:t>
-            </a:r>
-            <a:r>
-              <a:rPr lang="en-US" altLang="ko-KR" sz="1600" b="1" dirty="0" err="1" smtClean="0"/>
-              <a:t>javascript</a:t>
-            </a:r>
-            <a:r>
-              <a:rPr lang="en-US" altLang="ko-KR" sz="1600" b="1" dirty="0" smtClean="0"/>
-              <a:t>] </a:t>
-            </a:r>
-            <a:r>
-              <a:rPr lang="en-US" altLang="ko-KR" sz="1600" b="1" dirty="0" err="1" smtClean="0"/>
-              <a:t>dengan</a:t>
-            </a:r>
-            <a:r>
-              <a:rPr lang="en-US" altLang="ko-KR" sz="1600" b="1" dirty="0" smtClean="0"/>
-              <a:t> </a:t>
-            </a:r>
-            <a:r>
-              <a:rPr lang="en-US" altLang="ko-KR" sz="1600" b="1" dirty="0" err="1" smtClean="0"/>
-              <a:t>urutan</a:t>
-            </a:r>
-            <a:r>
-              <a:rPr lang="en-US" altLang="ko-KR" sz="1600" b="1" dirty="0" smtClean="0"/>
-              <a:t> array default (x):		        0     ,    1      ,       2</a:t>
+              <a:t> input, </a:t>
+            </a:r>
+            <a:r>
+              <a:rPr lang="en-US" altLang="ko-KR" sz="1600" b="1" dirty="0" err="1" smtClean="0"/>
+              <a:t>variabel</a:t>
+            </a:r>
+            <a:r>
+              <a:rPr lang="en-US" altLang="ko-KR" sz="1600" b="1" dirty="0" smtClean="0"/>
+              <a:t> temp </a:t>
+            </a:r>
+            <a:r>
+              <a:rPr lang="en-US" altLang="ko-KR" sz="1600" b="1" dirty="0" err="1" smtClean="0"/>
+              <a:t>dan</a:t>
+            </a:r>
+            <a:r>
+              <a:rPr lang="en-US" altLang="ko-KR" sz="1600" b="1" dirty="0" smtClean="0"/>
+              <a:t> output </a:t>
+            </a:r>
+            <a:r>
+              <a:rPr lang="en-US" altLang="ko-KR" sz="1600" b="1" dirty="0" err="1" smtClean="0"/>
+              <a:t>biarkan</a:t>
+            </a:r>
+            <a:r>
+              <a:rPr lang="en-US" altLang="ko-KR" sz="1600" b="1" dirty="0" smtClean="0"/>
+              <a:t> </a:t>
+            </a:r>
+            <a:r>
+              <a:rPr lang="en-US" altLang="ko-KR" sz="1600" b="1" dirty="0" err="1" smtClean="0"/>
+              <a:t>kosong</a:t>
             </a:r>
             <a:endParaRPr lang="en-US" altLang="ko-KR" sz="1600" b="1" dirty="0" smtClean="0"/>
           </a:p>
@@ -5403,27 +5234,27 @@
             </a:r>
             <a:r>
               <a:rPr lang="en-US" altLang="ko-KR" sz="1600" b="1" dirty="0" err="1" smtClean="0"/>
-              <a:t>kata</a:t>
-            </a:r>
-            <a:r>
-              <a:rPr lang="en-US" altLang="ko-KR" sz="1600" b="1" dirty="0" smtClean="0"/>
-              <a:t> </a:t>
-            </a:r>
-            <a:r>
-              <a:rPr lang="en-US" altLang="ko-KR" sz="1600" b="1" dirty="0" err="1" smtClean="0"/>
-              <a:t>di</a:t>
-            </a:r>
-            <a:r>
-              <a:rPr lang="en-US" altLang="ko-KR" sz="1600" b="1" dirty="0" smtClean="0"/>
-              <a:t> </a:t>
-            </a:r>
-            <a:r>
-              <a:rPr lang="en-US" altLang="ko-KR" sz="1600" b="1" dirty="0" err="1" smtClean="0"/>
-              <a:t>dalam</a:t>
-            </a:r>
-            <a:r>
-              <a:rPr lang="en-US" altLang="ko-KR" sz="1600" b="1" dirty="0" smtClean="0"/>
-              <a:t> array-1) </a:t>
+              <a:t>huruf</a:t>
+            </a:r>
+            <a:r>
+              <a:rPr lang="en-US" altLang="ko-KR" sz="1600" b="1" dirty="0" smtClean="0"/>
+              <a:t> </a:t>
+            </a:r>
+            <a:r>
+              <a:rPr lang="en-US" altLang="ko-KR" sz="1600" b="1" dirty="0" err="1" smtClean="0"/>
+              <a:t>didalam</a:t>
+            </a:r>
+            <a:r>
+              <a:rPr lang="en-US" altLang="ko-KR" sz="1600" b="1" dirty="0" smtClean="0"/>
+              <a:t> </a:t>
+            </a:r>
+            <a:r>
+              <a:rPr lang="en-US" altLang="ko-KR" sz="1600" b="1" dirty="0" err="1" smtClean="0"/>
+              <a:t>variabel</a:t>
+            </a:r>
+            <a:r>
+              <a:rPr lang="en-US" altLang="ko-KR" sz="1600" b="1" dirty="0" smtClean="0"/>
+              <a:t> input) </a:t>
             </a:r>
             <a:r>
               <a:rPr lang="en-US" altLang="ko-KR" sz="1600" b="1" dirty="0" err="1" smtClean="0"/>
@@ -5447,7 +5278,7 @@
             </a:r>
             <a:r>
               <a:rPr lang="en-US" altLang="ko-KR" sz="1600" b="1" dirty="0" smtClean="0"/>
-              <a:t> array yang </a:t>
+              <a:t> yang </a:t>
             </a:r>
             <a:r>
               <a:rPr lang="en-US" altLang="ko-KR" sz="1600" b="1" dirty="0" err="1" smtClean="0"/>
@@ -5463,7 +5294,39 @@
             </a:r>
             <a:r>
               <a:rPr lang="en-US" altLang="ko-KR" sz="1600" b="1" dirty="0" smtClean="0"/>
-              <a:t> (x)</a:t>
+              <a:t> (x) </a:t>
+            </a:r>
+            <a:r>
+              <a:rPr lang="en-US" altLang="ko-KR" sz="1600" b="1" dirty="0" err="1" smtClean="0"/>
+              <a:t>dan</a:t>
+            </a:r>
+            <a:r>
+              <a:rPr lang="en-US" altLang="ko-KR" sz="1600" b="1" dirty="0" smtClean="0"/>
+              <a:t> </a:t>
+            </a:r>
+            <a:r>
+              <a:rPr lang="en-US" altLang="ko-KR" sz="1600" b="1" dirty="0" err="1" smtClean="0"/>
+              <a:t>masukan</a:t>
+            </a:r>
+            <a:r>
+              <a:rPr lang="en-US" altLang="ko-KR" sz="1600" b="1" dirty="0" smtClean="0"/>
+              <a:t> input </a:t>
+            </a:r>
+            <a:r>
+              <a:rPr lang="en-US" altLang="ko-KR" sz="1600" b="1" dirty="0" err="1" smtClean="0"/>
+              <a:t>sesuai</a:t>
+            </a:r>
+            <a:r>
+              <a:rPr lang="en-US" altLang="ko-KR" sz="1600" b="1" dirty="0" smtClean="0"/>
+              <a:t> </a:t>
+            </a:r>
+            <a:r>
+              <a:rPr lang="en-US" altLang="ko-KR" sz="1600" b="1" dirty="0" err="1" smtClean="0"/>
+              <a:t>rumus</a:t>
+            </a:r>
+            <a:r>
+              <a:rPr lang="en-US" altLang="ko-KR" sz="1600" b="1" dirty="0" smtClean="0"/>
+              <a:t> x=23</a:t>
             </a:r>
           </a:p>
           <a:p>
@@ -5473,23 +5336,171 @@
             </a:pPr>
             <a:r>
               <a:rPr lang="en-US" altLang="ko-KR" sz="1600" b="1" dirty="0" err="1" smtClean="0"/>
-              <a:t>masukan</a:t>
-            </a:r>
-            <a:r>
-              <a:rPr lang="en-US" altLang="ko-KR" sz="1600" b="1" dirty="0" smtClean="0"/>
-              <a:t> </a:t>
-            </a:r>
-            <a:r>
-              <a:rPr lang="en-US" altLang="ko-KR" sz="1600" b="1" dirty="0" err="1" smtClean="0"/>
-              <a:t>angka</a:t>
-            </a:r>
-            <a:r>
-              <a:rPr lang="en-US" altLang="ko-KR" sz="1600" b="1" dirty="0" smtClean="0"/>
-              <a:t> </a:t>
-            </a:r>
-            <a:r>
-              <a:rPr lang="en-US" altLang="ko-KR" sz="1600" b="1" dirty="0" err="1" smtClean="0"/>
-              <a:t>sesuai</a:t>
+              <a:t>jika</a:t>
+            </a:r>
+            <a:r>
+              <a:rPr lang="en-US" altLang="ko-KR" sz="1600" b="1" dirty="0" smtClean="0"/>
+              <a:t> x&gt;0 </a:t>
+            </a:r>
+            <a:r>
+              <a:rPr lang="en-US" altLang="ko-KR" sz="1600" b="1" dirty="0" err="1" smtClean="0"/>
+              <a:t>maka</a:t>
+            </a:r>
+            <a:r>
+              <a:rPr lang="en-US" altLang="ko-KR" sz="1600" b="1" dirty="0" smtClean="0"/>
+              <a:t> </a:t>
+            </a:r>
+            <a:r>
+              <a:rPr lang="en-US" altLang="ko-KR" sz="1600" b="1" dirty="0" err="1" smtClean="0"/>
+              <a:t>periksa</a:t>
+            </a:r>
+            <a:r>
+              <a:rPr lang="en-US" altLang="ko-KR" sz="1600" b="1" dirty="0" smtClean="0"/>
+              <a:t> </a:t>
+            </a:r>
+            <a:r>
+              <a:rPr lang="en-US" altLang="ko-KR" sz="1600" b="1" dirty="0" err="1" smtClean="0"/>
+              <a:t>apakah</a:t>
+            </a:r>
+            <a:r>
+              <a:rPr lang="en-US" altLang="ko-KR" sz="1600" b="1" dirty="0" smtClean="0"/>
+              <a:t> input(x) </a:t>
+            </a:r>
+            <a:r>
+              <a:rPr lang="en-US" altLang="ko-KR" sz="1600" b="1" dirty="0" err="1" smtClean="0"/>
+              <a:t>adalah</a:t>
+            </a:r>
+            <a:r>
+              <a:rPr lang="en-US" altLang="ko-KR" sz="1600" b="1" dirty="0" smtClean="0"/>
+              <a:t> </a:t>
+            </a:r>
+            <a:r>
+              <a:rPr lang="en-US" altLang="ko-KR" sz="1600" b="1" dirty="0" err="1" smtClean="0"/>
+              <a:t>spasi</a:t>
+            </a:r>
+            <a:r>
+              <a:rPr lang="en-US" altLang="ko-KR" sz="1600" b="1" dirty="0" smtClean="0"/>
+              <a:t>, </a:t>
+            </a:r>
+            <a:r>
+              <a:rPr lang="en-US" altLang="ko-KR" sz="1600" b="1" dirty="0" err="1" smtClean="0"/>
+              <a:t>jika</a:t>
+            </a:r>
+            <a:r>
+              <a:rPr lang="en-US" altLang="ko-KR" sz="1600" b="1" dirty="0" smtClean="0"/>
+              <a:t> </a:t>
+            </a:r>
+            <a:r>
+              <a:rPr lang="en-US" altLang="ko-KR" sz="1600" b="1" dirty="0" err="1" smtClean="0"/>
+              <a:t>bukan</a:t>
+            </a:r>
+            <a:r>
+              <a:rPr lang="en-US" altLang="ko-KR" sz="1600" b="1" dirty="0" smtClean="0"/>
+              <a:t> </a:t>
+            </a:r>
+            <a:r>
+              <a:rPr lang="en-US" altLang="ko-KR" sz="1600" b="1" dirty="0" err="1" smtClean="0"/>
+              <a:t>maka</a:t>
+            </a:r>
+            <a:r>
+              <a:rPr lang="en-US" altLang="ko-KR" sz="1600" b="1" dirty="0" smtClean="0"/>
+              <a:t> </a:t>
+            </a:r>
+            <a:r>
+              <a:rPr lang="en-US" altLang="ko-KR" sz="1600" b="1" dirty="0" err="1" smtClean="0"/>
+              <a:t>isi</a:t>
+            </a:r>
+            <a:r>
+              <a:rPr lang="en-US" altLang="ko-KR" sz="1600" b="1" dirty="0" smtClean="0"/>
+              <a:t> </a:t>
+            </a:r>
+            <a:r>
+              <a:rPr lang="en-US" altLang="ko-KR" sz="1600" b="1" dirty="0" err="1" smtClean="0"/>
+              <a:t>variabel</a:t>
+            </a:r>
+            <a:r>
+              <a:rPr lang="en-US" altLang="ko-KR" sz="1600" b="1" dirty="0" smtClean="0"/>
+              <a:t> temp </a:t>
+            </a:r>
+            <a:r>
+              <a:rPr lang="en-US" altLang="ko-KR" sz="1600" b="1" dirty="0" err="1" smtClean="0"/>
+              <a:t>dengan</a:t>
+            </a:r>
+            <a:r>
+              <a:rPr lang="en-US" altLang="ko-KR" sz="1600" b="1" dirty="0" smtClean="0"/>
+              <a:t> (input(x) + </a:t>
+            </a:r>
+            <a:r>
+              <a:rPr lang="en-US" altLang="ko-KR" sz="1600" b="1" dirty="0" err="1" smtClean="0"/>
+              <a:t>isi</a:t>
+            </a:r>
+            <a:r>
+              <a:rPr lang="en-US" altLang="ko-KR" sz="1600" b="1" dirty="0" smtClean="0"/>
+              <a:t> </a:t>
+            </a:r>
+            <a:r>
+              <a:rPr lang="en-US" altLang="ko-KR" sz="1600" b="1" dirty="0" err="1" smtClean="0"/>
+              <a:t>variabel</a:t>
+            </a:r>
+            <a:r>
+              <a:rPr lang="en-US" altLang="ko-KR" sz="1600" b="1" dirty="0" smtClean="0"/>
+              <a:t> temp </a:t>
+            </a:r>
+            <a:r>
+              <a:rPr lang="en-US" altLang="ko-KR" sz="1600" b="1" dirty="0" err="1" smtClean="0"/>
+              <a:t>saat</a:t>
+            </a:r>
+            <a:r>
+              <a:rPr lang="en-US" altLang="ko-KR" sz="1600" b="1" dirty="0" smtClean="0"/>
+              <a:t> </a:t>
+            </a:r>
+            <a:r>
+              <a:rPr lang="en-US" altLang="ko-KR" sz="1600" b="1" dirty="0" err="1" smtClean="0"/>
+              <a:t>ini</a:t>
+            </a:r>
+            <a:r>
+              <a:rPr lang="en-US" altLang="ko-KR" sz="1600" b="1" dirty="0" smtClean="0"/>
+              <a:t>) </a:t>
+            </a:r>
+            <a:r>
+              <a:rPr lang="en-US" altLang="ko-KR" sz="1600" b="1" dirty="0" err="1" smtClean="0"/>
+              <a:t>disini</a:t>
+            </a:r>
+            <a:r>
+              <a:rPr lang="en-US" altLang="ko-KR" sz="1600" b="1" dirty="0" smtClean="0"/>
+              <a:t> x=23 </a:t>
+            </a:r>
+            <a:r>
+              <a:rPr lang="en-US" altLang="ko-KR" sz="1600" b="1" dirty="0" err="1" smtClean="0"/>
+              <a:t>maka</a:t>
+            </a:r>
+            <a:r>
+              <a:rPr lang="en-US" altLang="ko-KR" sz="1600" b="1" dirty="0" smtClean="0"/>
+              <a:t> </a:t>
+            </a:r>
+            <a:r>
+              <a:rPr lang="en-US" altLang="ko-KR" sz="1600" b="1" dirty="0" smtClean="0"/>
+              <a:t>temp= t . </a:t>
+            </a:r>
+            <a:r>
+              <a:rPr lang="en-US" altLang="ko-KR" sz="1600" b="1" dirty="0" err="1" smtClean="0"/>
+              <a:t>Lalu</a:t>
+            </a:r>
+            <a:r>
+              <a:rPr lang="en-US" altLang="ko-KR" sz="1600" b="1" dirty="0" smtClean="0"/>
+              <a:t> </a:t>
+            </a:r>
+            <a:r>
+              <a:rPr lang="en-US" altLang="ko-KR" sz="1600" b="1" dirty="0" err="1" smtClean="0"/>
+              <a:t>lanjutkan</a:t>
+            </a:r>
+            <a:r>
+              <a:rPr lang="en-US" altLang="ko-KR" sz="1600" b="1" dirty="0" smtClean="0"/>
+              <a:t> </a:t>
+            </a:r>
+            <a:r>
+              <a:rPr lang="en-US" altLang="ko-KR" sz="1600" b="1" dirty="0" err="1" smtClean="0"/>
+              <a:t>ke</a:t>
             </a:r>
             <a:r>
               <a:rPr lang="en-US" altLang="ko-KR" sz="1600" b="1" dirty="0" smtClean="0"/>
@@ -5501,11 +5512,43 @@
             </a:r>
             <a:r>
               <a:rPr lang="en-US" altLang="ko-KR" sz="1600" b="1" dirty="0" smtClean="0"/>
-              <a:t> </a:t>
-            </a:r>
-            <a:r>
-              <a:rPr lang="en-US" altLang="ko-KR" sz="1600" b="1" dirty="0" smtClean="0"/>
-              <a:t>x=3-1=2</a:t>
+              <a:t> x=x-1 (x=5-1=4) </a:t>
+            </a:r>
+            <a:r>
+              <a:rPr lang="en-US" altLang="ko-KR" sz="1600" b="1" dirty="0" err="1" smtClean="0"/>
+              <a:t>jika</a:t>
+            </a:r>
+            <a:r>
+              <a:rPr lang="en-US" altLang="ko-KR" sz="1600" b="1" dirty="0" smtClean="0"/>
+              <a:t> x </a:t>
+            </a:r>
+            <a:r>
+              <a:rPr lang="en-US" altLang="ko-KR" sz="1600" b="1" dirty="0" err="1" smtClean="0"/>
+              <a:t>masih</a:t>
+            </a:r>
+            <a:r>
+              <a:rPr lang="en-US" altLang="ko-KR" sz="1600" b="1" dirty="0" smtClean="0"/>
+              <a:t> &gt;0 </a:t>
+            </a:r>
+            <a:r>
+              <a:rPr lang="en-US" altLang="ko-KR" sz="1600" b="1" dirty="0" err="1" smtClean="0"/>
+              <a:t>ulangi</a:t>
+            </a:r>
+            <a:r>
+              <a:rPr lang="en-US" altLang="ko-KR" sz="1600" b="1" dirty="0" smtClean="0"/>
+              <a:t> </a:t>
+            </a:r>
+            <a:r>
+              <a:rPr lang="en-US" altLang="ko-KR" sz="1600" b="1" dirty="0" err="1" smtClean="0"/>
+              <a:t>proses</a:t>
+            </a:r>
+            <a:r>
+              <a:rPr lang="en-US" altLang="ko-KR" sz="1600" b="1" dirty="0" smtClean="0"/>
+              <a:t> </a:t>
+            </a:r>
+            <a:r>
+              <a:rPr lang="en-US" altLang="ko-KR" sz="1600" b="1" dirty="0" err="1" smtClean="0"/>
+              <a:t>ini</a:t>
             </a:r>
             <a:endParaRPr lang="en-US" altLang="ko-KR" sz="1600" b="1" dirty="0" smtClean="0"/>
           </a:p>
@@ -5516,15 +5559,27 @@
             </a:pPr>
             <a:r>
               <a:rPr lang="en-US" altLang="ko-KR" sz="1600" b="1" dirty="0" err="1" smtClean="0"/>
-              <a:t>jika</a:t>
-            </a:r>
-            <a:r>
-              <a:rPr lang="en-US" altLang="ko-KR" sz="1600" b="1" dirty="0" smtClean="0"/>
-              <a:t> </a:t>
-            </a:r>
-            <a:r>
-              <a:rPr lang="en-US" altLang="ko-KR" sz="1600" b="1" dirty="0" smtClean="0"/>
-              <a:t>x&gt;=0 </a:t>
+              <a:t>Jika</a:t>
+            </a:r>
+            <a:r>
+              <a:rPr lang="en-US" altLang="ko-KR" sz="1600" b="1" dirty="0" smtClean="0"/>
+              <a:t> input(x) </a:t>
+            </a:r>
+            <a:r>
+              <a:rPr lang="en-US" altLang="ko-KR" sz="1600" b="1" dirty="0" err="1" smtClean="0"/>
+              <a:t>adalah</a:t>
+            </a:r>
+            <a:r>
+              <a:rPr lang="en-US" altLang="ko-KR" sz="1600" b="1" dirty="0" smtClean="0"/>
+              <a:t> </a:t>
+            </a:r>
+            <a:r>
+              <a:rPr lang="en-US" altLang="ko-KR" sz="1600" b="1" dirty="0" err="1" smtClean="0"/>
+              <a:t>spasi</a:t>
+            </a:r>
+            <a:r>
+              <a:rPr lang="en-US" altLang="ko-KR" sz="1600" b="1" dirty="0" smtClean="0"/>
+              <a:t> </a:t>
             </a:r>
             <a:r>
               <a:rPr lang="en-US" altLang="ko-KR" sz="1600" b="1" dirty="0" err="1" smtClean="0"/>
@@ -5536,31 +5591,127 @@
             </a:r>
             <a:r>
               <a:rPr lang="en-US" altLang="ko-KR" sz="1600" b="1" dirty="0" err="1" smtClean="0"/>
-              <a:t>tampilkan</a:t>
-            </a:r>
-            <a:r>
-              <a:rPr lang="en-US" altLang="ko-KR" sz="1600" b="1" dirty="0" smtClean="0"/>
-              <a:t> </a:t>
-            </a:r>
-            <a:r>
-              <a:rPr lang="en-US" altLang="ko-KR" sz="1600" b="1" dirty="0" err="1" smtClean="0"/>
-              <a:t>kata</a:t>
-            </a:r>
-            <a:r>
-              <a:rPr lang="en-US" altLang="ko-KR" sz="1600" b="1" dirty="0" smtClean="0"/>
-              <a:t> </a:t>
-            </a:r>
-            <a:r>
-              <a:rPr lang="en-US" altLang="ko-KR" sz="1600" b="1" dirty="0" err="1" smtClean="0"/>
-              <a:t>di</a:t>
-            </a:r>
-            <a:r>
-              <a:rPr lang="en-US" altLang="ko-KR" sz="1600" b="1" dirty="0" smtClean="0"/>
-              <a:t> </a:t>
-            </a:r>
-            <a:r>
-              <a:rPr lang="en-US" altLang="ko-KR" sz="1600" b="1" dirty="0" err="1" smtClean="0"/>
-              <a:t>urutan</a:t>
+              <a:t>isi</a:t>
+            </a:r>
+            <a:r>
+              <a:rPr lang="en-US" altLang="ko-KR" sz="1600" b="1" dirty="0" smtClean="0"/>
+              <a:t> </a:t>
+            </a:r>
+            <a:r>
+              <a:rPr lang="en-US" altLang="ko-KR" sz="1600" b="1" dirty="0" err="1" smtClean="0"/>
+              <a:t>variabel</a:t>
+            </a:r>
+            <a:r>
+              <a:rPr lang="en-US" altLang="ko-KR" sz="1600" b="1" dirty="0" smtClean="0"/>
+              <a:t> output </a:t>
+            </a:r>
+            <a:r>
+              <a:rPr lang="en-US" altLang="ko-KR" sz="1600" b="1" dirty="0" err="1" smtClean="0"/>
+              <a:t>dengan</a:t>
+            </a:r>
+            <a:r>
+              <a:rPr lang="en-US" altLang="ko-KR" sz="1600" b="1" dirty="0" smtClean="0"/>
+              <a:t> (</a:t>
+            </a:r>
+            <a:r>
+              <a:rPr lang="en-US" altLang="ko-KR" sz="1600" b="1" dirty="0" err="1" smtClean="0"/>
+              <a:t>isi</a:t>
+            </a:r>
+            <a:r>
+              <a:rPr lang="en-US" altLang="ko-KR" sz="1600" b="1" dirty="0" smtClean="0"/>
+              <a:t> </a:t>
+            </a:r>
+            <a:r>
+              <a:rPr lang="en-US" altLang="ko-KR" sz="1600" b="1" dirty="0" err="1" smtClean="0"/>
+              <a:t>variabel</a:t>
+            </a:r>
+            <a:r>
+              <a:rPr lang="en-US" altLang="ko-KR" sz="1600" b="1" dirty="0" smtClean="0"/>
+              <a:t> output </a:t>
+            </a:r>
+            <a:r>
+              <a:rPr lang="en-US" altLang="ko-KR" sz="1600" b="1" dirty="0" err="1" smtClean="0"/>
+              <a:t>saat</a:t>
+            </a:r>
+            <a:r>
+              <a:rPr lang="en-US" altLang="ko-KR" sz="1600" b="1" dirty="0" smtClean="0"/>
+              <a:t> </a:t>
+            </a:r>
+            <a:r>
+              <a:rPr lang="en-US" altLang="ko-KR" sz="1600" b="1" dirty="0" err="1" smtClean="0"/>
+              <a:t>ini+spasi+isi</a:t>
+            </a:r>
+            <a:r>
+              <a:rPr lang="en-US" altLang="ko-KR" sz="1600" b="1" dirty="0" smtClean="0"/>
+              <a:t> </a:t>
+            </a:r>
+            <a:r>
+              <a:rPr lang="en-US" altLang="ko-KR" sz="1600" b="1" dirty="0" err="1" smtClean="0"/>
+              <a:t>variabel</a:t>
+            </a:r>
+            <a:r>
+              <a:rPr lang="en-US" altLang="ko-KR" sz="1600" b="1" dirty="0" smtClean="0"/>
+              <a:t> temp </a:t>
+            </a:r>
+            <a:r>
+              <a:rPr lang="en-US" altLang="ko-KR" sz="1600" b="1" dirty="0" err="1" smtClean="0"/>
+              <a:t>saat</a:t>
+            </a:r>
+            <a:r>
+              <a:rPr lang="en-US" altLang="ko-KR" sz="1600" b="1" dirty="0" smtClean="0"/>
+              <a:t> </a:t>
+            </a:r>
+            <a:r>
+              <a:rPr lang="en-US" altLang="ko-KR" sz="1600" b="1" dirty="0" err="1" smtClean="0"/>
+              <a:t>ini</a:t>
+            </a:r>
+            <a:r>
+              <a:rPr lang="en-US" altLang="ko-KR" sz="1600" b="1" dirty="0" smtClean="0"/>
+              <a:t>) </a:t>
+            </a:r>
+            <a:r>
+              <a:rPr lang="en-US" altLang="ko-KR" sz="1600" b="1" dirty="0" err="1" smtClean="0"/>
+              <a:t>lalu</a:t>
+            </a:r>
+            <a:r>
+              <a:rPr lang="en-US" altLang="ko-KR" sz="1600" b="1" dirty="0" smtClean="0"/>
+              <a:t> </a:t>
+            </a:r>
+            <a:r>
+              <a:rPr lang="en-US" altLang="ko-KR" sz="1600" b="1" dirty="0" err="1" smtClean="0"/>
+              <a:t>kosongkan</a:t>
+            </a:r>
+            <a:r>
+              <a:rPr lang="en-US" altLang="ko-KR" sz="1600" b="1" dirty="0" smtClean="0"/>
+              <a:t> </a:t>
+            </a:r>
+            <a:r>
+              <a:rPr lang="en-US" altLang="ko-KR" sz="1600" b="1" dirty="0" err="1" smtClean="0"/>
+              <a:t>isi</a:t>
+            </a:r>
+            <a:r>
+              <a:rPr lang="en-US" altLang="ko-KR" sz="1600" b="1" dirty="0" smtClean="0"/>
+              <a:t> </a:t>
+            </a:r>
+            <a:r>
+              <a:rPr lang="en-US" altLang="ko-KR" sz="1600" b="1" dirty="0" err="1" smtClean="0"/>
+              <a:t>variabel</a:t>
+            </a:r>
+            <a:r>
+              <a:rPr lang="en-US" altLang="ko-KR" sz="1600" b="1" dirty="0" smtClean="0"/>
+              <a:t> temp </a:t>
+            </a:r>
+            <a:r>
+              <a:rPr lang="en-US" altLang="ko-KR" sz="1600" b="1" dirty="0" err="1" smtClean="0"/>
+              <a:t>dan</a:t>
+            </a:r>
+            <a:r>
+              <a:rPr lang="en-US" altLang="ko-KR" sz="1600" b="1" dirty="0" smtClean="0"/>
+              <a:t> </a:t>
+            </a:r>
+            <a:r>
+              <a:rPr lang="en-US" altLang="ko-KR" sz="1600" b="1" dirty="0" err="1" smtClean="0"/>
+              <a:t>lanjutkan</a:t>
             </a:r>
             <a:r>
               <a:rPr lang="en-US" altLang="ko-KR" sz="1600" b="1" dirty="0" smtClean="0"/>
@@ -5572,74 +5723,6 @@
             </a:r>
             <a:r>
               <a:rPr lang="en-US" altLang="ko-KR" sz="1600" b="1" dirty="0" smtClean="0"/>
-              <a:t> x </a:t>
-            </a:r>
-            <a:r>
-              <a:rPr lang="en-US" altLang="ko-KR" sz="1600" b="1" dirty="0" err="1" smtClean="0"/>
-              <a:t>tersebut</a:t>
-            </a:r>
-            <a:r>
-              <a:rPr lang="en-US" altLang="ko-KR" sz="1600" b="1" dirty="0" smtClean="0"/>
-              <a:t> </a:t>
-            </a:r>
-            <a:r>
-              <a:rPr lang="en-US" altLang="ko-KR" sz="1600" b="1" dirty="0" err="1" smtClean="0"/>
-              <a:t>disini</a:t>
-            </a:r>
-            <a:r>
-              <a:rPr lang="en-US" altLang="ko-KR" sz="1600" b="1" dirty="0" smtClean="0"/>
-              <a:t> </a:t>
-            </a:r>
-            <a:r>
-              <a:rPr lang="en-US" altLang="ko-KR" sz="1600" b="1" dirty="0" smtClean="0"/>
-              <a:t>2 </a:t>
-            </a:r>
-            <a:r>
-              <a:rPr lang="en-US" altLang="ko-KR" sz="1600" b="1" dirty="0" err="1" smtClean="0"/>
-              <a:t>maka</a:t>
-            </a:r>
-            <a:r>
-              <a:rPr lang="en-US" altLang="ko-KR" sz="1600" b="1" dirty="0" smtClean="0"/>
-              <a:t> </a:t>
-            </a:r>
-            <a:r>
-              <a:rPr lang="en-US" altLang="ko-KR" sz="1600" b="1" dirty="0" err="1" smtClean="0"/>
-              <a:t>tampilkan</a:t>
-            </a:r>
-            <a:r>
-              <a:rPr lang="en-US" altLang="ko-KR" sz="1600" b="1" dirty="0" smtClean="0"/>
-              <a:t> </a:t>
-            </a:r>
-            <a:r>
-              <a:rPr lang="en-US" altLang="ko-KR" sz="1600" b="1" dirty="0" err="1" smtClean="0"/>
-              <a:t>angka</a:t>
-            </a:r>
-            <a:r>
-              <a:rPr lang="en-US" altLang="ko-KR" sz="1600" b="1" dirty="0" smtClean="0"/>
-              <a:t> 8 </a:t>
-            </a:r>
-            <a:r>
-              <a:rPr lang="en-US" altLang="ko-KR" sz="1600" b="1" dirty="0" err="1" smtClean="0"/>
-              <a:t>dan</a:t>
-            </a:r>
-            <a:r>
-              <a:rPr lang="en-US" altLang="ko-KR" sz="1600" b="1" dirty="0" smtClean="0"/>
-              <a:t> </a:t>
-            </a:r>
-            <a:r>
-              <a:rPr lang="en-US" altLang="ko-KR" sz="1600" b="1" dirty="0" err="1" smtClean="0"/>
-              <a:t>lanjutkan</a:t>
-            </a:r>
-            <a:r>
-              <a:rPr lang="en-US" altLang="ko-KR" sz="1600" b="1" dirty="0" smtClean="0"/>
-              <a:t> </a:t>
-            </a:r>
-            <a:r>
-              <a:rPr lang="en-US" altLang="ko-KR" sz="1600" b="1" dirty="0" err="1" smtClean="0"/>
-              <a:t>ke</a:t>
-            </a:r>
-            <a:r>
-              <a:rPr lang="en-US" altLang="ko-KR" sz="1600" b="1" dirty="0" smtClean="0"/>
               <a:t> </a:t>
             </a:r>
             <a:r>
@@ -5648,45 +5731,8 @@
             </a:r>
             <a:r>
               <a:rPr lang="en-US" altLang="ko-KR" sz="1600" b="1" dirty="0" smtClean="0"/>
-              <a:t> x=x-1 (x=4-1=3) </a:t>
-            </a:r>
-            <a:r>
-              <a:rPr lang="en-US" altLang="ko-KR" sz="1600" b="1" dirty="0" err="1" smtClean="0"/>
-              <a:t>jika</a:t>
-            </a:r>
-            <a:r>
-              <a:rPr lang="en-US" altLang="ko-KR" sz="1600" b="1" dirty="0" smtClean="0"/>
-              <a:t> x </a:t>
-            </a:r>
-            <a:r>
-              <a:rPr lang="en-US" altLang="ko-KR" sz="1600" b="1" dirty="0" err="1" smtClean="0"/>
-              <a:t>masih</a:t>
-            </a:r>
-            <a:r>
-              <a:rPr lang="en-US" altLang="ko-KR" sz="1600" b="1" dirty="0" smtClean="0"/>
-              <a:t> &gt;=0 </a:t>
-            </a:r>
-            <a:r>
-              <a:rPr lang="en-US" altLang="ko-KR" sz="1600" b="1" dirty="0" err="1" smtClean="0"/>
-              <a:t>ulangi</a:t>
-            </a:r>
-            <a:r>
-              <a:rPr lang="en-US" altLang="ko-KR" sz="1600" b="1" dirty="0" smtClean="0"/>
-              <a:t> </a:t>
-            </a:r>
-            <a:r>
-              <a:rPr lang="en-US" altLang="ko-KR" sz="1600" b="1" dirty="0" err="1" smtClean="0"/>
-              <a:t>proses</a:t>
-            </a:r>
-            <a:r>
-              <a:rPr lang="en-US" altLang="ko-KR" sz="1600" b="1" dirty="0" smtClean="0"/>
-              <a:t> </a:t>
-            </a:r>
-            <a:r>
-              <a:rPr lang="en-US" altLang="ko-KR" sz="1600" b="1" dirty="0" err="1" smtClean="0"/>
-              <a:t>ini</a:t>
-            </a:r>
-            <a:endParaRPr lang="en-US" altLang="ko-KR" sz="1600" b="1" dirty="0" smtClean="0"/>
+              <a:t> x=x-1 </a:t>
+            </a:r>
           </a:p>
           <a:p>
             <a:pPr marL="342900" indent="-342900">
@@ -5699,11 +5745,7 @@
             </a:r>
             <a:r>
               <a:rPr lang="en-US" altLang="ko-KR" sz="1600" b="1" dirty="0" smtClean="0"/>
-              <a:t> </a:t>
-            </a:r>
-            <a:r>
-              <a:rPr lang="en-US" altLang="ko-KR" sz="1600" b="1" dirty="0" smtClean="0"/>
-              <a:t>x&lt;=0 </a:t>
+              <a:t> x&lt;0 </a:t>
             </a:r>
             <a:r>
               <a:rPr lang="en-US" altLang="ko-KR" sz="1600" b="1" dirty="0" err="1" smtClean="0"/>
@@ -5715,7 +5757,15 @@
             </a:r>
             <a:r>
               <a:rPr lang="en-US" altLang="ko-KR" sz="1600" b="1" dirty="0" err="1" smtClean="0"/>
-              <a:t>tampilkan</a:t>
+              <a:t>isi</a:t>
+            </a:r>
+            <a:r>
+              <a:rPr lang="en-US" altLang="ko-KR" sz="1600" b="1" dirty="0" smtClean="0"/>
+              <a:t> </a:t>
+            </a:r>
+            <a:r>
+              <a:rPr lang="en-US" altLang="ko-KR" sz="1600" b="1" dirty="0" err="1" smtClean="0"/>
+              <a:t>variabel</a:t>
             </a:r>
             <a:r>
               <a:rPr lang="en-US" altLang="ko-KR" sz="1600" b="1" dirty="0" smtClean="0"/>
@@ -5723,55 +5773,31 @@
             </a:r>
             <a:r>
               <a:rPr lang="en-US" altLang="ko-KR" sz="1600" b="1" dirty="0" err="1" smtClean="0"/>
-              <a:t>susunan</a:t>
-            </a:r>
-            <a:r>
-              <a:rPr lang="en-US" altLang="ko-KR" sz="1600" b="1" dirty="0" smtClean="0"/>
-              <a:t> </a:t>
-            </a:r>
-            <a:r>
-              <a:rPr lang="en-US" altLang="ko-KR" sz="1600" b="1" dirty="0" err="1" smtClean="0"/>
-              <a:t>angka</a:t>
-            </a:r>
-            <a:r>
-              <a:rPr lang="en-US" altLang="ko-KR" sz="1600" b="1" dirty="0" smtClean="0"/>
-              <a:t> yang </a:t>
-            </a:r>
-            <a:r>
-              <a:rPr lang="en-US" altLang="ko-KR" sz="1600" b="1" dirty="0" err="1" smtClean="0"/>
-              <a:t>sudah</a:t>
-            </a:r>
-            <a:r>
-              <a:rPr lang="en-US" altLang="ko-KR" sz="1600" b="1" dirty="0" smtClean="0"/>
-              <a:t> </a:t>
-            </a:r>
-            <a:r>
-              <a:rPr lang="en-US" altLang="ko-KR" sz="1600" b="1" dirty="0" err="1" smtClean="0"/>
-              <a:t>di</a:t>
-            </a:r>
-            <a:r>
-              <a:rPr lang="en-US" altLang="ko-KR" sz="1600" b="1" dirty="0" smtClean="0"/>
-              <a:t> </a:t>
-            </a:r>
-            <a:r>
-              <a:rPr lang="en-US" altLang="ko-KR" sz="1600" b="1" dirty="0" err="1" smtClean="0"/>
-              <a:t>proses</a:t>
-            </a:r>
-            <a:r>
-              <a:rPr lang="en-US" altLang="ko-KR" sz="1600" b="1" dirty="0" smtClean="0"/>
-              <a:t>, </a:t>
-            </a:r>
-            <a:r>
-              <a:rPr lang="en-US" altLang="ko-KR" sz="1600" b="1" dirty="0" err="1" smtClean="0"/>
-              <a:t>dalam</a:t>
-            </a:r>
-            <a:r>
-              <a:rPr lang="en-US" altLang="ko-KR" sz="1600" b="1" dirty="0" smtClean="0"/>
-              <a:t> </a:t>
-            </a:r>
-            <a:r>
-              <a:rPr lang="en-US" altLang="ko-KR" sz="1600" b="1" dirty="0" err="1" smtClean="0"/>
-              <a:t>kasus</a:t>
+              <a:t>dengan</a:t>
+            </a:r>
+            <a:r>
+              <a:rPr lang="en-US" altLang="ko-KR" sz="1600" b="1" dirty="0" smtClean="0"/>
+              <a:t> (</a:t>
+            </a:r>
+            <a:r>
+              <a:rPr lang="en-US" altLang="ko-KR" sz="1600" b="1" dirty="0" err="1" smtClean="0"/>
+              <a:t>isi</a:t>
+            </a:r>
+            <a:r>
+              <a:rPr lang="en-US" altLang="ko-KR" sz="1600" b="1" dirty="0" smtClean="0"/>
+              <a:t> </a:t>
+            </a:r>
+            <a:r>
+              <a:rPr lang="en-US" altLang="ko-KR" sz="1600" b="1" dirty="0" err="1" smtClean="0"/>
+              <a:t>variabel</a:t>
+            </a:r>
+            <a:r>
+              <a:rPr lang="en-US" altLang="ko-KR" sz="1600" b="1" dirty="0" smtClean="0"/>
+              <a:t> temp </a:t>
+            </a:r>
+            <a:r>
+              <a:rPr lang="en-US" altLang="ko-KR" sz="1600" b="1" dirty="0" err="1" smtClean="0"/>
+              <a:t>saat</a:t>
             </a:r>
             <a:r>
               <a:rPr lang="en-US" altLang="ko-KR" sz="1600" b="1" dirty="0" smtClean="0"/>
@@ -5783,25 +5809,19 @@
             </a:r>
             <a:r>
               <a:rPr lang="en-US" altLang="ko-KR" sz="1600" b="1" dirty="0" smtClean="0"/>
-              <a:t> 8,1,12,1,8</a:t>
-            </a:r>
-          </a:p>
-          <a:p>
-            <a:pPr marL="342900" indent="-342900">
-              <a:buFont typeface="+mj-lt"/>
-              <a:buAutoNum type="arabicPeriod"/>
-            </a:pPr>
-            <a:r>
-              <a:rPr lang="en-US" altLang="ko-KR" sz="1600" b="1" dirty="0" err="1" smtClean="0"/>
-              <a:t>apabila</a:t>
-            </a:r>
-            <a:r>
-              <a:rPr lang="en-US" altLang="ko-KR" sz="1600" b="1" dirty="0" smtClean="0"/>
-              <a:t> </a:t>
-            </a:r>
-            <a:r>
-              <a:rPr lang="en-US" altLang="ko-KR" sz="1600" b="1" dirty="0" err="1" smtClean="0"/>
-              <a:t>angka</a:t>
+              <a:t> + </a:t>
+            </a:r>
+            <a:r>
+              <a:rPr lang="en-US" altLang="ko-KR" sz="1600" b="1" dirty="0" err="1" smtClean="0"/>
+              <a:t>isi</a:t>
+            </a:r>
+            <a:r>
+              <a:rPr lang="en-US" altLang="ko-KR" sz="1600" b="1" dirty="0" smtClean="0"/>
+              <a:t>  </a:t>
+            </a:r>
+            <a:r>
+              <a:rPr lang="en-US" altLang="ko-KR" sz="1600" b="1" dirty="0" err="1" smtClean="0"/>
+              <a:t>variabel</a:t>
             </a:r>
             <a:r>
               <a:rPr lang="en-US" altLang="ko-KR" sz="1600" b="1" dirty="0" smtClean="0"/>
@@ -5809,113 +5829,19 @@
             </a:r>
             <a:r>
               <a:rPr lang="en-US" altLang="ko-KR" sz="1600" b="1" dirty="0" err="1" smtClean="0"/>
-              <a:t>sama</a:t>
-            </a:r>
-            <a:r>
-              <a:rPr lang="en-US" altLang="ko-KR" sz="1600" b="1" dirty="0" smtClean="0"/>
-              <a:t> </a:t>
-            </a:r>
-            <a:r>
-              <a:rPr lang="en-US" altLang="ko-KR" sz="1600" b="1" dirty="0" err="1" smtClean="0"/>
-              <a:t>dengan</a:t>
-            </a:r>
-            <a:r>
-              <a:rPr lang="en-US" altLang="ko-KR" sz="1600" b="1" dirty="0" smtClean="0"/>
-              <a:t> </a:t>
-            </a:r>
-            <a:r>
-              <a:rPr lang="en-US" altLang="ko-KR" sz="1600" b="1" dirty="0" err="1" smtClean="0"/>
-              <a:t>angka</a:t>
-            </a:r>
-            <a:r>
-              <a:rPr lang="en-US" altLang="ko-KR" sz="1600" b="1" dirty="0" smtClean="0"/>
-              <a:t> input </a:t>
-            </a:r>
-            <a:r>
-              <a:rPr lang="en-US" altLang="ko-KR" sz="1600" b="1" dirty="0" err="1" smtClean="0"/>
-              <a:t>setelah</a:t>
-            </a:r>
-            <a:r>
-              <a:rPr lang="en-US" altLang="ko-KR" sz="1600" b="1" dirty="0" smtClean="0"/>
-              <a:t> array </a:t>
-            </a:r>
-            <a:r>
-              <a:rPr lang="en-US" altLang="ko-KR" sz="1600" b="1" dirty="0" err="1" smtClean="0"/>
-              <a:t>maka</a:t>
-            </a:r>
-            <a:r>
-              <a:rPr lang="en-US" altLang="ko-KR" sz="1600" b="1" dirty="0" smtClean="0"/>
-              <a:t> </a:t>
-            </a:r>
-            <a:r>
-              <a:rPr lang="en-US" altLang="ko-KR" sz="1600" b="1" dirty="0" err="1" smtClean="0"/>
-              <a:t>cetak</a:t>
-            </a:r>
-            <a:r>
-              <a:rPr lang="en-US" altLang="ko-KR" sz="1600" b="1" dirty="0" smtClean="0"/>
-              <a:t> "</a:t>
-            </a:r>
-            <a:r>
-              <a:rPr lang="en-US" altLang="ko-KR" sz="1600" b="1" dirty="0" err="1" smtClean="0"/>
-              <a:t>palindrom</a:t>
-            </a:r>
-            <a:r>
-              <a:rPr lang="en-US" altLang="ko-KR" sz="1600" b="1" dirty="0" smtClean="0"/>
-              <a:t>"</a:t>
-            </a:r>
-          </a:p>
-          <a:p>
-            <a:pPr marL="342900" indent="-342900">
-              <a:buFont typeface="+mj-lt"/>
-              <a:buAutoNum type="arabicPeriod"/>
-            </a:pPr>
-            <a:r>
-              <a:rPr lang="en-US" altLang="ko-KR" sz="1600" b="1" dirty="0" err="1" smtClean="0"/>
-              <a:t>jika</a:t>
-            </a:r>
-            <a:r>
-              <a:rPr lang="en-US" altLang="ko-KR" sz="1600" b="1" dirty="0" smtClean="0"/>
-              <a:t> </a:t>
-            </a:r>
-            <a:r>
-              <a:rPr lang="en-US" altLang="ko-KR" sz="1600" b="1" dirty="0" err="1" smtClean="0"/>
-              <a:t>tidak</a:t>
-            </a:r>
-            <a:r>
-              <a:rPr lang="en-US" altLang="ko-KR" sz="1600" b="1" dirty="0" smtClean="0"/>
-              <a:t> </a:t>
-            </a:r>
-            <a:r>
-              <a:rPr lang="en-US" altLang="ko-KR" sz="1600" b="1" dirty="0" err="1" smtClean="0"/>
-              <a:t>maka</a:t>
-            </a:r>
-            <a:r>
-              <a:rPr lang="en-US" altLang="ko-KR" sz="1600" b="1" dirty="0" smtClean="0"/>
-              <a:t> </a:t>
-            </a:r>
-            <a:r>
-              <a:rPr lang="en-US" altLang="ko-KR" sz="1600" b="1" dirty="0" err="1" smtClean="0"/>
-              <a:t>cetak</a:t>
-            </a:r>
-            <a:r>
-              <a:rPr lang="en-US" altLang="ko-KR" sz="1600" b="1" dirty="0" smtClean="0"/>
-              <a:t> "</a:t>
-            </a:r>
-            <a:r>
-              <a:rPr lang="en-US" altLang="ko-KR" sz="1600" b="1" dirty="0" err="1" smtClean="0"/>
-              <a:t>bukan</a:t>
-            </a:r>
-            <a:r>
-              <a:rPr lang="en-US" altLang="ko-KR" sz="1600" b="1" dirty="0" smtClean="0"/>
-              <a:t> </a:t>
-            </a:r>
-            <a:r>
-              <a:rPr lang="en-US" altLang="ko-KR" sz="1600" b="1" dirty="0" err="1" smtClean="0"/>
-              <a:t>palindrom</a:t>
-            </a:r>
-            <a:r>
-              <a:rPr lang="en-US" altLang="ko-KR" sz="1600" b="1" dirty="0" smtClean="0"/>
-              <a:t>"</a:t>
+              <a:t>saat</a:t>
+            </a:r>
+            <a:r>
+              <a:rPr lang="en-US" altLang="ko-KR" sz="1600" b="1" dirty="0" smtClean="0"/>
+              <a:t> </a:t>
+            </a:r>
+            <a:r>
+              <a:rPr lang="en-US" altLang="ko-KR" sz="1600" b="1" dirty="0" err="1" smtClean="0"/>
+              <a:t>ini</a:t>
+            </a:r>
+            <a:r>
+              <a:rPr lang="en-US" altLang="ko-KR" sz="1600" b="1" dirty="0" smtClean="0"/>
+              <a:t>)</a:t>
             </a:r>
           </a:p>
           <a:p>
@@ -5963,7 +5889,7 @@
       </p:grpSpPr>
       <p:sp>
         <p:nvSpPr>
-          <p:cNvPr id="8" name="Content Placeholder 5"/>
+          <p:cNvPr id="6" name="Content Placeholder 5"/>
           <p:cNvSpPr>
             <a:spLocks noGrp="1"/>
           </p:cNvSpPr>
@@ -5973,8 +5899,8 @@
         </p:nvSpPr>
         <p:spPr>
           <a:xfrm>
-            <a:off x="1691680" y="476672"/>
-            <a:ext cx="5616624" cy="460648"/>
+            <a:off x="323528" y="476672"/>
+            <a:ext cx="8229600" cy="460648"/>
           </a:xfrm>
         </p:spPr>
         <p:style>
@@ -5998,11 +5924,15 @@
             <a:pPr lvl="0"/>
             <a:r>
               <a:rPr lang="en-US" altLang="ko-KR" b="1" dirty="0" smtClean="0"/>
-              <a:t>1. Flowchart </a:t>
+              <a:t>3. </a:t>
             </a:r>
             <a:r>
               <a:rPr lang="en-US" altLang="ko-KR" b="1" dirty="0" err="1" smtClean="0"/>
-              <a:t>Palindrom</a:t>
+              <a:t>Algoritma</a:t>
+            </a:r>
+            <a:r>
+              <a:rPr lang="en-US" altLang="ko-KR" b="1" dirty="0" smtClean="0"/>
+              <a:t> Changing Word</a:t>
             </a:r>
             <a:endParaRPr lang="en-US" altLang="ko-KR" b="1" dirty="0">
               <a:solidFill>
@@ -6017,36 +5947,973 @@
           </a:p>
         </p:txBody>
       </p:sp>
-      <p:pic>
-        <p:nvPicPr>
-          <p:cNvPr id="1026" name="Picture 2" descr="C:\Users\F\Desktop\berkas bootcamp\latihan coding\HTML\week6\tugas1\flowchart_palindrom.png"/>
-          <p:cNvPicPr>
-            <a:picLocks noChangeAspect="1" noChangeArrowheads="1"/>
-          </p:cNvPicPr>
-          <p:nvPr/>
-        </p:nvPicPr>
-        <p:blipFill>
-          <a:blip r:embed="rId2" cstate="print"/>
-          <a:srcRect/>
-          <a:stretch>
-            <a:fillRect/>
-          </a:stretch>
-        </p:blipFill>
-        <p:spPr bwMode="auto">
+      <p:sp>
+        <p:nvSpPr>
+          <p:cNvPr id="7" name="Content Placeholder 6"/>
+          <p:cNvSpPr>
+            <a:spLocks noGrp="1"/>
+          </p:cNvSpPr>
+          <p:nvPr>
+            <p:ph idx="10"/>
+          </p:nvPr>
+        </p:nvSpPr>
+        <p:spPr>
           <a:xfrm>
-            <a:off x="755576" y="1628800"/>
-            <a:ext cx="7524328" cy="4828875"/>
+            <a:off x="323528" y="1484784"/>
+            <a:ext cx="8352928" cy="5040560"/>
           </a:xfrm>
-          <a:prstGeom prst="rect">
-            <a:avLst/>
-          </a:prstGeom>
-          <a:noFill/>
         </p:spPr>
-      </p:pic>
+        <p:style>
+          <a:lnRef idx="2">
+            <a:schemeClr val="accent3"/>
+          </a:lnRef>
+          <a:fillRef idx="1">
+            <a:schemeClr val="lt1"/>
+          </a:fillRef>
+          <a:effectRef idx="0">
+            <a:schemeClr val="accent3"/>
+          </a:effectRef>
+          <a:fontRef idx="minor">
+            <a:schemeClr val="dk1"/>
+          </a:fontRef>
+        </p:style>
+        <p:txBody>
+          <a:bodyPr/>
+          <a:lstStyle/>
+          <a:p>
+            <a:pPr marL="342900" indent="-342900">
+              <a:buFont typeface="+mj-lt"/>
+              <a:buAutoNum type="arabicPeriod"/>
+            </a:pPr>
+            <a:r>
+              <a:rPr lang="en-US" altLang="ko-KR" sz="1600" b="1" dirty="0" err="1" smtClean="0"/>
+              <a:t>mulai</a:t>
+            </a:r>
+            <a:endParaRPr lang="en-US" altLang="ko-KR" sz="1600" b="1" dirty="0" smtClean="0"/>
+          </a:p>
+          <a:p>
+            <a:pPr marL="342900" indent="-342900">
+              <a:buFont typeface="+mj-lt"/>
+              <a:buAutoNum type="arabicPeriod"/>
+            </a:pPr>
+            <a:r>
+              <a:rPr lang="en-US" altLang="ko-KR" sz="1600" b="1" dirty="0" smtClean="0"/>
+              <a:t>input </a:t>
+            </a:r>
+            <a:r>
+              <a:rPr lang="en-US" altLang="ko-KR" sz="1600" b="1" dirty="0" err="1" smtClean="0"/>
+              <a:t>kata</a:t>
+            </a:r>
+            <a:r>
+              <a:rPr lang="en-US" altLang="ko-KR" sz="1600" b="1" dirty="0" smtClean="0"/>
+              <a:t> </a:t>
+            </a:r>
+            <a:r>
+              <a:rPr lang="en-US" altLang="ko-KR" sz="1600" b="1" dirty="0" err="1" smtClean="0"/>
+              <a:t>misal</a:t>
+            </a:r>
+            <a:r>
+              <a:rPr lang="en-US" altLang="ko-KR" sz="1600" b="1" dirty="0" smtClean="0"/>
+              <a:t>: </a:t>
+            </a:r>
+            <a:r>
+              <a:rPr lang="en-US" altLang="ko-KR" sz="1600" b="1" dirty="0" err="1" smtClean="0"/>
+              <a:t>surabaya</a:t>
+            </a:r>
+            <a:endParaRPr lang="en-US" altLang="ko-KR" sz="1600" b="1" dirty="0" smtClean="0"/>
+          </a:p>
+          <a:p>
+            <a:pPr marL="342900" indent="-342900">
+              <a:buFont typeface="+mj-lt"/>
+              <a:buAutoNum type="arabicPeriod"/>
+            </a:pPr>
+            <a:r>
+              <a:rPr lang="en-US" altLang="ko-KR" sz="1600" b="1" dirty="0" err="1" smtClean="0"/>
+              <a:t>Buat</a:t>
+            </a:r>
+            <a:r>
+              <a:rPr lang="en-US" altLang="ko-KR" sz="1600" b="1" dirty="0" smtClean="0"/>
+              <a:t> </a:t>
+            </a:r>
+            <a:r>
+              <a:rPr lang="en-US" altLang="ko-KR" sz="1600" b="1" dirty="0" err="1" smtClean="0"/>
+              <a:t>variabel</a:t>
+            </a:r>
+            <a:r>
+              <a:rPr lang="en-US" altLang="ko-KR" sz="1600" b="1" dirty="0" smtClean="0"/>
+              <a:t> </a:t>
+            </a:r>
+            <a:r>
+              <a:rPr lang="en-US" altLang="ko-KR" sz="1600" b="1" dirty="0" err="1" smtClean="0"/>
+              <a:t>pembungkus</a:t>
+            </a:r>
+            <a:r>
+              <a:rPr lang="en-US" altLang="ko-KR" sz="1600" b="1" dirty="0" smtClean="0"/>
+              <a:t>, </a:t>
+            </a:r>
+            <a:r>
+              <a:rPr lang="en-US" altLang="ko-KR" sz="1600" b="1" dirty="0" err="1" smtClean="0"/>
+              <a:t>dalam</a:t>
+            </a:r>
+            <a:r>
+              <a:rPr lang="en-US" altLang="ko-KR" sz="1600" b="1" dirty="0" smtClean="0"/>
+              <a:t> </a:t>
+            </a:r>
+            <a:r>
+              <a:rPr lang="en-US" altLang="ko-KR" sz="1600" b="1" dirty="0" err="1" smtClean="0"/>
+              <a:t>kasus</a:t>
+            </a:r>
+            <a:r>
+              <a:rPr lang="en-US" altLang="ko-KR" sz="1600" b="1" dirty="0" smtClean="0"/>
+              <a:t> </a:t>
+            </a:r>
+            <a:r>
+              <a:rPr lang="en-US" altLang="ko-KR" sz="1600" b="1" dirty="0" err="1" smtClean="0"/>
+              <a:t>ini</a:t>
+            </a:r>
+            <a:r>
+              <a:rPr lang="en-US" altLang="ko-KR" sz="1600" b="1" dirty="0" smtClean="0"/>
+              <a:t> </a:t>
+            </a:r>
+            <a:r>
+              <a:rPr lang="en-US" altLang="ko-KR" sz="1600" b="1" dirty="0" err="1" smtClean="0"/>
+              <a:t>misal</a:t>
+            </a:r>
+            <a:r>
+              <a:rPr lang="en-US" altLang="ko-KR" sz="1600" b="1" dirty="0" smtClean="0"/>
+              <a:t>: input, temp, </a:t>
+            </a:r>
+            <a:r>
+              <a:rPr lang="en-US" altLang="ko-KR" sz="1600" b="1" dirty="0" err="1" smtClean="0"/>
+              <a:t>dan</a:t>
+            </a:r>
+            <a:r>
+              <a:rPr lang="en-US" altLang="ko-KR" sz="1600" b="1" dirty="0" smtClean="0"/>
+              <a:t> output</a:t>
+            </a:r>
+          </a:p>
+          <a:p>
+            <a:pPr marL="342900" indent="-342900">
+              <a:buFont typeface="+mj-lt"/>
+              <a:buAutoNum type="arabicPeriod"/>
+            </a:pPr>
+            <a:r>
+              <a:rPr lang="en-US" altLang="ko-KR" sz="1600" b="1" dirty="0" err="1" smtClean="0"/>
+              <a:t>Isi</a:t>
+            </a:r>
+            <a:r>
+              <a:rPr lang="en-US" altLang="ko-KR" sz="1600" b="1" dirty="0" smtClean="0"/>
+              <a:t> </a:t>
+            </a:r>
+            <a:r>
+              <a:rPr lang="en-US" altLang="ko-KR" sz="1600" b="1" dirty="0" err="1" smtClean="0"/>
+              <a:t>variabel</a:t>
+            </a:r>
+            <a:r>
+              <a:rPr lang="en-US" altLang="ko-KR" sz="1600" b="1" dirty="0" smtClean="0"/>
+              <a:t> input </a:t>
+            </a:r>
+            <a:r>
+              <a:rPr lang="en-US" altLang="ko-KR" sz="1600" b="1" dirty="0" err="1" smtClean="0"/>
+              <a:t>dengan</a:t>
+            </a:r>
+            <a:r>
+              <a:rPr lang="en-US" altLang="ko-KR" sz="1600" b="1" dirty="0" smtClean="0"/>
+              <a:t> </a:t>
+            </a:r>
+            <a:r>
+              <a:rPr lang="en-US" altLang="ko-KR" sz="1600" b="1" dirty="0" err="1" smtClean="0"/>
+              <a:t>kata</a:t>
+            </a:r>
+            <a:r>
+              <a:rPr lang="en-US" altLang="ko-KR" sz="1600" b="1" dirty="0" smtClean="0"/>
+              <a:t> yang </a:t>
+            </a:r>
+            <a:r>
+              <a:rPr lang="en-US" altLang="ko-KR" sz="1600" b="1" dirty="0" err="1" smtClean="0"/>
+              <a:t>sudah</a:t>
+            </a:r>
+            <a:r>
+              <a:rPr lang="en-US" altLang="ko-KR" sz="1600" b="1" dirty="0" smtClean="0"/>
+              <a:t> </a:t>
+            </a:r>
+            <a:r>
+              <a:rPr lang="en-US" altLang="ko-KR" sz="1600" b="1" dirty="0" err="1" smtClean="0"/>
+              <a:t>di</a:t>
+            </a:r>
+            <a:r>
+              <a:rPr lang="en-US" altLang="ko-KR" sz="1600" b="1" dirty="0" smtClean="0"/>
+              <a:t> input, </a:t>
+            </a:r>
+            <a:r>
+              <a:rPr lang="en-US" altLang="ko-KR" sz="1600" b="1" dirty="0" err="1" smtClean="0"/>
+              <a:t>variabel</a:t>
+            </a:r>
+            <a:r>
+              <a:rPr lang="en-US" altLang="ko-KR" sz="1600" b="1" dirty="0" smtClean="0"/>
+              <a:t> temp </a:t>
+            </a:r>
+            <a:r>
+              <a:rPr lang="en-US" altLang="ko-KR" sz="1600" b="1" dirty="0" err="1" smtClean="0"/>
+              <a:t>dan</a:t>
+            </a:r>
+            <a:r>
+              <a:rPr lang="en-US" altLang="ko-KR" sz="1600" b="1" dirty="0" smtClean="0"/>
+              <a:t> output </a:t>
+            </a:r>
+            <a:r>
+              <a:rPr lang="en-US" altLang="ko-KR" sz="1600" b="1" dirty="0" err="1" smtClean="0"/>
+              <a:t>biarkan</a:t>
+            </a:r>
+            <a:r>
+              <a:rPr lang="en-US" altLang="ko-KR" sz="1600" b="1" dirty="0" smtClean="0"/>
+              <a:t> </a:t>
+            </a:r>
+            <a:r>
+              <a:rPr lang="en-US" altLang="ko-KR" sz="1600" b="1" dirty="0" err="1" smtClean="0"/>
+              <a:t>kosong</a:t>
+            </a:r>
+            <a:endParaRPr lang="en-US" altLang="ko-KR" sz="1600" b="1" dirty="0" smtClean="0"/>
+          </a:p>
+          <a:p>
+            <a:pPr marL="342900" indent="-342900">
+              <a:buFont typeface="+mj-lt"/>
+              <a:buAutoNum type="arabicPeriod"/>
+            </a:pPr>
+            <a:r>
+              <a:rPr lang="en-US" altLang="ko-KR" sz="1600" b="1" dirty="0" err="1" smtClean="0"/>
+              <a:t>masukan</a:t>
+            </a:r>
+            <a:r>
+              <a:rPr lang="en-US" altLang="ko-KR" sz="1600" b="1" dirty="0" smtClean="0"/>
+              <a:t> </a:t>
+            </a:r>
+            <a:r>
+              <a:rPr lang="en-US" altLang="ko-KR" sz="1600" b="1" dirty="0" err="1" smtClean="0"/>
+              <a:t>rumus</a:t>
+            </a:r>
+            <a:r>
+              <a:rPr lang="en-US" altLang="ko-KR" sz="1600" b="1" dirty="0" smtClean="0"/>
+              <a:t> (x=</a:t>
+            </a:r>
+            <a:r>
+              <a:rPr lang="en-US" altLang="ko-KR" sz="1600" b="1" dirty="0" err="1" smtClean="0"/>
+              <a:t>jumlah</a:t>
+            </a:r>
+            <a:r>
+              <a:rPr lang="en-US" altLang="ko-KR" sz="1600" b="1" dirty="0" smtClean="0"/>
+              <a:t> </a:t>
+            </a:r>
+            <a:r>
+              <a:rPr lang="en-US" altLang="ko-KR" sz="1600" b="1" dirty="0" err="1" smtClean="0"/>
+              <a:t>huruf</a:t>
+            </a:r>
+            <a:r>
+              <a:rPr lang="en-US" altLang="ko-KR" sz="1600" b="1" dirty="0" smtClean="0"/>
+              <a:t> </a:t>
+            </a:r>
+            <a:r>
+              <a:rPr lang="en-US" altLang="ko-KR" sz="1600" b="1" dirty="0" err="1" smtClean="0"/>
+              <a:t>didalam</a:t>
+            </a:r>
+            <a:r>
+              <a:rPr lang="en-US" altLang="ko-KR" sz="1600" b="1" dirty="0" smtClean="0"/>
+              <a:t> </a:t>
+            </a:r>
+            <a:r>
+              <a:rPr lang="en-US" altLang="ko-KR" sz="1600" b="1" dirty="0" err="1" smtClean="0"/>
+              <a:t>variabel</a:t>
+            </a:r>
+            <a:r>
+              <a:rPr lang="en-US" altLang="ko-KR" sz="1600" b="1" dirty="0" smtClean="0"/>
+              <a:t> input) </a:t>
+            </a:r>
+            <a:r>
+              <a:rPr lang="en-US" altLang="ko-KR" sz="1600" b="1" dirty="0" err="1" smtClean="0"/>
+              <a:t>untuk</a:t>
+            </a:r>
+            <a:r>
+              <a:rPr lang="en-US" altLang="ko-KR" sz="1600" b="1" dirty="0" smtClean="0"/>
+              <a:t> </a:t>
+            </a:r>
+            <a:r>
+              <a:rPr lang="en-US" altLang="ko-KR" sz="1600" b="1" dirty="0" err="1" smtClean="0"/>
+              <a:t>menentukan</a:t>
+            </a:r>
+            <a:r>
+              <a:rPr lang="en-US" altLang="ko-KR" sz="1600" b="1" dirty="0" smtClean="0"/>
+              <a:t> </a:t>
+            </a:r>
+            <a:r>
+              <a:rPr lang="en-US" altLang="ko-KR" sz="1600" b="1" dirty="0" err="1" smtClean="0"/>
+              <a:t>urutan</a:t>
+            </a:r>
+            <a:r>
+              <a:rPr lang="en-US" altLang="ko-KR" sz="1600" b="1" dirty="0" smtClean="0"/>
+              <a:t> yang </a:t>
+            </a:r>
+            <a:r>
+              <a:rPr lang="en-US" altLang="ko-KR" sz="1600" b="1" dirty="0" err="1" smtClean="0"/>
+              <a:t>akan</a:t>
+            </a:r>
+            <a:r>
+              <a:rPr lang="en-US" altLang="ko-KR" sz="1600" b="1" dirty="0" smtClean="0"/>
+              <a:t> </a:t>
+            </a:r>
+            <a:r>
+              <a:rPr lang="en-US" altLang="ko-KR" sz="1600" b="1" dirty="0" err="1" smtClean="0"/>
+              <a:t>dipanggil</a:t>
+            </a:r>
+            <a:r>
+              <a:rPr lang="en-US" altLang="ko-KR" sz="1600" b="1" dirty="0" smtClean="0"/>
+              <a:t> (x) </a:t>
+            </a:r>
+            <a:r>
+              <a:rPr lang="en-US" altLang="ko-KR" sz="1600" b="1" dirty="0" err="1" smtClean="0"/>
+              <a:t>dan</a:t>
+            </a:r>
+            <a:r>
+              <a:rPr lang="en-US" altLang="ko-KR" sz="1600" b="1" dirty="0" smtClean="0"/>
+              <a:t> </a:t>
+            </a:r>
+            <a:r>
+              <a:rPr lang="en-US" altLang="ko-KR" sz="1600" b="1" dirty="0" err="1" smtClean="0"/>
+              <a:t>masukan</a:t>
+            </a:r>
+            <a:r>
+              <a:rPr lang="en-US" altLang="ko-KR" sz="1600" b="1" dirty="0" smtClean="0"/>
+              <a:t> input </a:t>
+            </a:r>
+            <a:r>
+              <a:rPr lang="en-US" altLang="ko-KR" sz="1600" b="1" dirty="0" err="1" smtClean="0"/>
+              <a:t>sesuai</a:t>
+            </a:r>
+            <a:r>
+              <a:rPr lang="en-US" altLang="ko-KR" sz="1600" b="1" dirty="0" smtClean="0"/>
+              <a:t> </a:t>
+            </a:r>
+            <a:r>
+              <a:rPr lang="en-US" altLang="ko-KR" sz="1600" b="1" dirty="0" err="1" smtClean="0"/>
+              <a:t>rumus</a:t>
+            </a:r>
+            <a:r>
+              <a:rPr lang="en-US" altLang="ko-KR" sz="1600" b="1" dirty="0" smtClean="0"/>
+              <a:t> </a:t>
+            </a:r>
+            <a:r>
+              <a:rPr lang="en-US" altLang="ko-KR" sz="1600" b="1" dirty="0" smtClean="0"/>
+              <a:t>x=8</a:t>
+            </a:r>
+            <a:endParaRPr lang="en-US" altLang="ko-KR" sz="1600" b="1" dirty="0" smtClean="0"/>
+          </a:p>
+          <a:p>
+            <a:pPr marL="342900" indent="-342900">
+              <a:buFont typeface="+mj-lt"/>
+              <a:buAutoNum type="arabicPeriod"/>
+            </a:pPr>
+            <a:r>
+              <a:rPr lang="en-US" altLang="ko-KR" sz="1600" b="1" dirty="0" err="1" smtClean="0"/>
+              <a:t>jika</a:t>
+            </a:r>
+            <a:r>
+              <a:rPr lang="en-US" altLang="ko-KR" sz="1600" b="1" dirty="0" smtClean="0"/>
+              <a:t> x&gt;0 </a:t>
+            </a:r>
+            <a:r>
+              <a:rPr lang="en-US" altLang="ko-KR" sz="1600" b="1" dirty="0" err="1" smtClean="0"/>
+              <a:t>maka</a:t>
+            </a:r>
+            <a:r>
+              <a:rPr lang="en-US" altLang="ko-KR" sz="1600" b="1" dirty="0" smtClean="0"/>
+              <a:t> </a:t>
+            </a:r>
+            <a:r>
+              <a:rPr lang="en-US" altLang="ko-KR" sz="1600" b="1" dirty="0" err="1" smtClean="0"/>
+              <a:t>periksa</a:t>
+            </a:r>
+            <a:r>
+              <a:rPr lang="en-US" altLang="ko-KR" sz="1600" b="1" dirty="0" smtClean="0"/>
+              <a:t> </a:t>
+            </a:r>
+            <a:r>
+              <a:rPr lang="en-US" altLang="ko-KR" sz="1600" b="1" dirty="0" err="1" smtClean="0"/>
+              <a:t>apakah</a:t>
+            </a:r>
+            <a:r>
+              <a:rPr lang="en-US" altLang="ko-KR" sz="1600" b="1" dirty="0" smtClean="0"/>
+              <a:t> input(x) </a:t>
+            </a:r>
+            <a:r>
+              <a:rPr lang="en-US" altLang="ko-KR" sz="1600" b="1" dirty="0" err="1" smtClean="0"/>
+              <a:t>adalah</a:t>
+            </a:r>
+            <a:r>
+              <a:rPr lang="en-US" altLang="ko-KR" sz="1600" b="1" dirty="0" smtClean="0"/>
+              <a:t> </a:t>
+            </a:r>
+            <a:r>
+              <a:rPr lang="en-US" altLang="ko-KR" sz="1600" b="1" dirty="0" err="1" smtClean="0"/>
+              <a:t>huruf</a:t>
+            </a:r>
+            <a:r>
+              <a:rPr lang="en-US" altLang="ko-KR" sz="1600" b="1" dirty="0" smtClean="0"/>
+              <a:t> a </a:t>
+            </a:r>
+            <a:r>
+              <a:rPr lang="en-US" altLang="ko-KR" sz="1600" b="1" dirty="0" err="1" smtClean="0"/>
+              <a:t>maka</a:t>
+            </a:r>
+            <a:r>
+              <a:rPr lang="en-US" altLang="ko-KR" sz="1600" b="1" dirty="0" smtClean="0"/>
+              <a:t> </a:t>
+            </a:r>
+            <a:r>
+              <a:rPr lang="en-US" altLang="ko-KR" sz="1600" b="1" dirty="0" err="1" smtClean="0"/>
+              <a:t>isi</a:t>
+            </a:r>
+            <a:r>
+              <a:rPr lang="en-US" altLang="ko-KR" sz="1600" b="1" dirty="0" smtClean="0"/>
+              <a:t> </a:t>
+            </a:r>
+            <a:r>
+              <a:rPr lang="en-US" altLang="ko-KR" sz="1600" b="1" dirty="0" err="1" smtClean="0"/>
+              <a:t>variabel</a:t>
+            </a:r>
+            <a:r>
+              <a:rPr lang="en-US" altLang="ko-KR" sz="1600" b="1" dirty="0" smtClean="0"/>
+              <a:t> output </a:t>
+            </a:r>
+            <a:r>
+              <a:rPr lang="en-US" altLang="ko-KR" sz="1600" b="1" dirty="0" err="1" smtClean="0"/>
+              <a:t>dengan</a:t>
+            </a:r>
+            <a:r>
+              <a:rPr lang="en-US" altLang="ko-KR" sz="1600" b="1" dirty="0" smtClean="0"/>
+              <a:t> (</a:t>
+            </a:r>
+            <a:r>
+              <a:rPr lang="en-US" altLang="ko-KR" sz="1600" b="1" dirty="0" err="1" smtClean="0"/>
+              <a:t>huruf</a:t>
+            </a:r>
+            <a:r>
+              <a:rPr lang="en-US" altLang="ko-KR" sz="1600" b="1" dirty="0" smtClean="0"/>
+              <a:t> </a:t>
+            </a:r>
+            <a:r>
+              <a:rPr lang="en-US" altLang="ko-KR" sz="1600" b="1" dirty="0" smtClean="0"/>
+              <a:t>o </a:t>
+            </a:r>
+            <a:r>
+              <a:rPr lang="en-US" altLang="ko-KR" sz="1600" b="1" dirty="0" smtClean="0"/>
+              <a:t>+ </a:t>
+            </a:r>
+            <a:r>
+              <a:rPr lang="en-US" altLang="ko-KR" sz="1600" b="1" dirty="0" err="1" smtClean="0"/>
+              <a:t>isi</a:t>
+            </a:r>
+            <a:r>
+              <a:rPr lang="en-US" altLang="ko-KR" sz="1600" b="1" dirty="0" smtClean="0"/>
+              <a:t> </a:t>
+            </a:r>
+            <a:r>
+              <a:rPr lang="en-US" altLang="ko-KR" sz="1600" b="1" dirty="0" err="1" smtClean="0"/>
+              <a:t>variabel</a:t>
+            </a:r>
+            <a:r>
+              <a:rPr lang="en-US" altLang="ko-KR" sz="1600" b="1" dirty="0" smtClean="0"/>
+              <a:t> temp </a:t>
+            </a:r>
+            <a:r>
+              <a:rPr lang="en-US" altLang="ko-KR" sz="1600" b="1" dirty="0" err="1" smtClean="0"/>
+              <a:t>saat</a:t>
+            </a:r>
+            <a:r>
+              <a:rPr lang="en-US" altLang="ko-KR" sz="1600" b="1" dirty="0" smtClean="0"/>
+              <a:t> </a:t>
+            </a:r>
+            <a:r>
+              <a:rPr lang="en-US" altLang="ko-KR" sz="1600" b="1" dirty="0" err="1" smtClean="0"/>
+              <a:t>ini</a:t>
+            </a:r>
+            <a:r>
+              <a:rPr lang="en-US" altLang="ko-KR" sz="1600" b="1" dirty="0" smtClean="0"/>
+              <a:t> + </a:t>
+            </a:r>
+            <a:r>
+              <a:rPr lang="en-US" altLang="ko-KR" sz="1600" b="1" dirty="0" err="1" smtClean="0"/>
+              <a:t>isi</a:t>
+            </a:r>
+            <a:r>
+              <a:rPr lang="en-US" altLang="ko-KR" sz="1600" b="1" dirty="0" smtClean="0"/>
+              <a:t> </a:t>
+            </a:r>
+            <a:r>
+              <a:rPr lang="en-US" altLang="ko-KR" sz="1600" b="1" dirty="0" err="1" smtClean="0"/>
+              <a:t>variabel</a:t>
+            </a:r>
+            <a:r>
+              <a:rPr lang="en-US" altLang="ko-KR" sz="1600" b="1" dirty="0" smtClean="0"/>
+              <a:t> output </a:t>
+            </a:r>
+            <a:r>
+              <a:rPr lang="en-US" altLang="ko-KR" sz="1600" b="1" dirty="0" err="1" smtClean="0"/>
+              <a:t>saat</a:t>
+            </a:r>
+            <a:r>
+              <a:rPr lang="en-US" altLang="ko-KR" sz="1600" b="1" dirty="0" smtClean="0"/>
+              <a:t> </a:t>
+            </a:r>
+            <a:r>
+              <a:rPr lang="en-US" altLang="ko-KR" sz="1600" b="1" dirty="0" err="1" smtClean="0"/>
+              <a:t>ini</a:t>
+            </a:r>
+            <a:r>
+              <a:rPr lang="en-US" altLang="ko-KR" sz="1600" b="1" dirty="0" smtClean="0"/>
+              <a:t>) </a:t>
+            </a:r>
+            <a:r>
+              <a:rPr lang="en-US" altLang="ko-KR" sz="1600" b="1" dirty="0" err="1" smtClean="0"/>
+              <a:t>lalu</a:t>
+            </a:r>
+            <a:r>
+              <a:rPr lang="en-US" altLang="ko-KR" sz="1600" b="1" dirty="0" smtClean="0"/>
+              <a:t> </a:t>
+            </a:r>
+            <a:r>
+              <a:rPr lang="en-US" altLang="ko-KR" sz="1600" b="1" dirty="0" err="1" smtClean="0"/>
+              <a:t>kosongkan</a:t>
+            </a:r>
+            <a:r>
+              <a:rPr lang="en-US" altLang="ko-KR" sz="1600" b="1" dirty="0" smtClean="0"/>
+              <a:t> </a:t>
+            </a:r>
+            <a:r>
+              <a:rPr lang="en-US" altLang="ko-KR" sz="1600" b="1" dirty="0" err="1" smtClean="0"/>
+              <a:t>isi</a:t>
+            </a:r>
+            <a:r>
+              <a:rPr lang="en-US" altLang="ko-KR" sz="1600" b="1" dirty="0" smtClean="0"/>
+              <a:t> </a:t>
+            </a:r>
+            <a:r>
+              <a:rPr lang="en-US" altLang="ko-KR" sz="1600" b="1" dirty="0" err="1" smtClean="0"/>
+              <a:t>variabel</a:t>
+            </a:r>
+            <a:r>
+              <a:rPr lang="en-US" altLang="ko-KR" sz="1600" b="1" dirty="0" smtClean="0"/>
+              <a:t> </a:t>
+            </a:r>
+            <a:r>
+              <a:rPr lang="en-US" altLang="ko-KR" sz="1600" b="1" dirty="0" smtClean="0"/>
+              <a:t>temp. </a:t>
+            </a:r>
+            <a:r>
+              <a:rPr lang="en-US" altLang="ko-KR" sz="1600" b="1" dirty="0" err="1" smtClean="0"/>
+              <a:t>disini</a:t>
+            </a:r>
+            <a:r>
+              <a:rPr lang="en-US" altLang="ko-KR" sz="1600" b="1" dirty="0" smtClean="0"/>
+              <a:t> x=8 </a:t>
+            </a:r>
+            <a:r>
+              <a:rPr lang="en-US" altLang="ko-KR" sz="1600" b="1" dirty="0" err="1" smtClean="0"/>
+              <a:t>maka</a:t>
+            </a:r>
+            <a:r>
+              <a:rPr lang="en-US" altLang="ko-KR" sz="1600" b="1" dirty="0" smtClean="0"/>
+              <a:t> </a:t>
+            </a:r>
+            <a:r>
+              <a:rPr lang="en-US" altLang="ko-KR" sz="1600" b="1" dirty="0" err="1" smtClean="0"/>
+              <a:t>isi</a:t>
+            </a:r>
+            <a:r>
+              <a:rPr lang="en-US" altLang="ko-KR" sz="1600" b="1" dirty="0" smtClean="0"/>
+              <a:t> </a:t>
+            </a:r>
+            <a:r>
+              <a:rPr lang="en-US" altLang="ko-KR" sz="1600" b="1" dirty="0" err="1" smtClean="0"/>
+              <a:t>variabel</a:t>
+            </a:r>
+            <a:r>
+              <a:rPr lang="en-US" altLang="ko-KR" sz="1600" b="1" dirty="0" smtClean="0"/>
+              <a:t> output = o , </a:t>
+            </a:r>
+            <a:r>
+              <a:rPr lang="en-US" altLang="ko-KR" sz="1600" b="1" dirty="0" err="1" smtClean="0"/>
+              <a:t>lalu</a:t>
+            </a:r>
+            <a:r>
+              <a:rPr lang="en-US" altLang="ko-KR" sz="1600" b="1" dirty="0" smtClean="0"/>
+              <a:t> </a:t>
+            </a:r>
+            <a:r>
+              <a:rPr lang="en-US" altLang="ko-KR" sz="1600" b="1" dirty="0" err="1" smtClean="0"/>
+              <a:t>lanjutkan</a:t>
+            </a:r>
+            <a:r>
+              <a:rPr lang="en-US" altLang="ko-KR" sz="1600" b="1" dirty="0" smtClean="0"/>
+              <a:t> </a:t>
+            </a:r>
+            <a:r>
+              <a:rPr lang="en-US" altLang="ko-KR" sz="1600" b="1" dirty="0" err="1" smtClean="0"/>
+              <a:t>ke</a:t>
+            </a:r>
+            <a:r>
+              <a:rPr lang="en-US" altLang="ko-KR" sz="1600" b="1" dirty="0" smtClean="0"/>
+              <a:t> </a:t>
+            </a:r>
+            <a:r>
+              <a:rPr lang="en-US" altLang="ko-KR" sz="1600" b="1" dirty="0" err="1" smtClean="0"/>
+              <a:t>rumus</a:t>
+            </a:r>
+            <a:r>
+              <a:rPr lang="en-US" altLang="ko-KR" sz="1600" b="1" dirty="0" smtClean="0"/>
+              <a:t> x=x-1 (x=8-1=7)</a:t>
+            </a:r>
+            <a:endParaRPr lang="en-US" altLang="ko-KR" sz="1600" b="1" dirty="0" smtClean="0"/>
+          </a:p>
+          <a:p>
+            <a:pPr marL="342900" indent="-342900">
+              <a:buFont typeface="+mj-lt"/>
+              <a:buAutoNum type="arabicPeriod"/>
+            </a:pPr>
+            <a:r>
+              <a:rPr lang="en-US" altLang="ko-KR" sz="1600" b="1" dirty="0" err="1" smtClean="0"/>
+              <a:t>jika</a:t>
+            </a:r>
+            <a:r>
+              <a:rPr lang="en-US" altLang="ko-KR" sz="1600" b="1" dirty="0" smtClean="0"/>
+              <a:t> </a:t>
+            </a:r>
+            <a:r>
+              <a:rPr lang="en-US" altLang="ko-KR" sz="1600" b="1" dirty="0" err="1" smtClean="0"/>
+              <a:t>bukan</a:t>
+            </a:r>
+            <a:r>
+              <a:rPr lang="en-US" altLang="ko-KR" sz="1600" b="1" dirty="0" smtClean="0"/>
+              <a:t> </a:t>
+            </a:r>
+            <a:r>
+              <a:rPr lang="en-US" altLang="ko-KR" sz="1600" b="1" dirty="0" err="1" smtClean="0"/>
+              <a:t>huruf</a:t>
+            </a:r>
+            <a:r>
+              <a:rPr lang="en-US" altLang="ko-KR" sz="1600" b="1" dirty="0" smtClean="0"/>
+              <a:t> a </a:t>
+            </a:r>
+            <a:r>
+              <a:rPr lang="en-US" altLang="ko-KR" sz="1600" b="1" dirty="0" err="1" smtClean="0"/>
+              <a:t>maka</a:t>
+            </a:r>
+            <a:r>
+              <a:rPr lang="en-US" altLang="ko-KR" sz="1600" b="1" dirty="0" smtClean="0"/>
+              <a:t> </a:t>
+            </a:r>
+            <a:r>
+              <a:rPr lang="en-US" altLang="ko-KR" sz="1600" b="1" dirty="0" err="1" smtClean="0"/>
+              <a:t>isi</a:t>
+            </a:r>
+            <a:r>
+              <a:rPr lang="en-US" altLang="ko-KR" sz="1600" b="1" dirty="0" smtClean="0"/>
+              <a:t> </a:t>
+            </a:r>
+            <a:r>
+              <a:rPr lang="en-US" altLang="ko-KR" sz="1600" b="1" dirty="0" err="1" smtClean="0"/>
+              <a:t>variabel</a:t>
+            </a:r>
+            <a:r>
+              <a:rPr lang="en-US" altLang="ko-KR" sz="1600" b="1" dirty="0" smtClean="0"/>
+              <a:t> temp </a:t>
+            </a:r>
+            <a:r>
+              <a:rPr lang="en-US" altLang="ko-KR" sz="1600" b="1" dirty="0" err="1" smtClean="0"/>
+              <a:t>dengan</a:t>
+            </a:r>
+            <a:r>
+              <a:rPr lang="en-US" altLang="ko-KR" sz="1600" b="1" dirty="0" smtClean="0"/>
+              <a:t> (input(x) + </a:t>
+            </a:r>
+            <a:r>
+              <a:rPr lang="en-US" altLang="ko-KR" sz="1600" b="1" dirty="0" err="1" smtClean="0"/>
+              <a:t>isi</a:t>
+            </a:r>
+            <a:r>
+              <a:rPr lang="en-US" altLang="ko-KR" sz="1600" b="1" dirty="0" smtClean="0"/>
+              <a:t> </a:t>
+            </a:r>
+            <a:r>
+              <a:rPr lang="en-US" altLang="ko-KR" sz="1600" b="1" dirty="0" err="1" smtClean="0"/>
+              <a:t>variabel</a:t>
+            </a:r>
+            <a:r>
+              <a:rPr lang="en-US" altLang="ko-KR" sz="1600" b="1" dirty="0" smtClean="0"/>
+              <a:t> temp </a:t>
+            </a:r>
+            <a:r>
+              <a:rPr lang="en-US" altLang="ko-KR" sz="1600" b="1" dirty="0" err="1" smtClean="0"/>
+              <a:t>saat</a:t>
+            </a:r>
+            <a:r>
+              <a:rPr lang="en-US" altLang="ko-KR" sz="1600" b="1" dirty="0" smtClean="0"/>
+              <a:t> </a:t>
+            </a:r>
+            <a:r>
+              <a:rPr lang="en-US" altLang="ko-KR" sz="1600" b="1" dirty="0" err="1" smtClean="0"/>
+              <a:t>ini</a:t>
+            </a:r>
+            <a:r>
+              <a:rPr lang="en-US" altLang="ko-KR" sz="1600" b="1" dirty="0" smtClean="0"/>
+              <a:t>) </a:t>
+            </a:r>
+            <a:r>
+              <a:rPr lang="en-US" altLang="ko-KR" sz="1600" b="1" dirty="0" err="1" smtClean="0"/>
+              <a:t>disini</a:t>
+            </a:r>
+            <a:r>
+              <a:rPr lang="en-US" altLang="ko-KR" sz="1600" b="1" dirty="0" smtClean="0"/>
+              <a:t> </a:t>
+            </a:r>
+            <a:r>
+              <a:rPr lang="en-US" altLang="ko-KR" sz="1600" b="1" dirty="0" smtClean="0"/>
+              <a:t>x=7 </a:t>
+            </a:r>
+            <a:r>
+              <a:rPr lang="en-US" altLang="ko-KR" sz="1600" b="1" dirty="0" err="1" smtClean="0"/>
+              <a:t>adalah</a:t>
+            </a:r>
+            <a:r>
+              <a:rPr lang="en-US" altLang="ko-KR" sz="1600" b="1" dirty="0" smtClean="0"/>
+              <a:t> </a:t>
+            </a:r>
+            <a:r>
+              <a:rPr lang="en-US" altLang="ko-KR" sz="1600" b="1" dirty="0" err="1" smtClean="0"/>
+              <a:t>huruf</a:t>
+            </a:r>
+            <a:r>
+              <a:rPr lang="en-US" altLang="ko-KR" sz="1600" b="1" dirty="0" smtClean="0"/>
+              <a:t> y </a:t>
+            </a:r>
+            <a:r>
+              <a:rPr lang="en-US" altLang="ko-KR" sz="1600" b="1" dirty="0" err="1" smtClean="0"/>
+              <a:t>maka</a:t>
+            </a:r>
+            <a:r>
+              <a:rPr lang="en-US" altLang="ko-KR" sz="1600" b="1" dirty="0" smtClean="0"/>
+              <a:t> </a:t>
+            </a:r>
+            <a:r>
+              <a:rPr lang="en-US" altLang="ko-KR" sz="1600" b="1" dirty="0" smtClean="0"/>
+              <a:t>temp= y </a:t>
+            </a:r>
+            <a:r>
+              <a:rPr lang="en-US" altLang="ko-KR" sz="1600" b="1" dirty="0" err="1" smtClean="0"/>
+              <a:t>dan</a:t>
+            </a:r>
+            <a:r>
+              <a:rPr lang="en-US" altLang="ko-KR" sz="1600" b="1" dirty="0" smtClean="0"/>
+              <a:t> </a:t>
+            </a:r>
+            <a:r>
+              <a:rPr lang="en-US" altLang="ko-KR" sz="1600" b="1" dirty="0" err="1" smtClean="0"/>
+              <a:t>lanjutkan</a:t>
+            </a:r>
+            <a:r>
+              <a:rPr lang="en-US" altLang="ko-KR" sz="1600" b="1" dirty="0" smtClean="0"/>
+              <a:t> </a:t>
+            </a:r>
+            <a:r>
+              <a:rPr lang="en-US" altLang="ko-KR" sz="1600" b="1" dirty="0" err="1" smtClean="0"/>
+              <a:t>ke</a:t>
+            </a:r>
+            <a:r>
+              <a:rPr lang="en-US" altLang="ko-KR" sz="1600" b="1" dirty="0" smtClean="0"/>
+              <a:t> </a:t>
+            </a:r>
+            <a:r>
+              <a:rPr lang="en-US" altLang="ko-KR" sz="1600" b="1" dirty="0" err="1" smtClean="0"/>
+              <a:t>rumus</a:t>
+            </a:r>
+            <a:r>
+              <a:rPr lang="en-US" altLang="ko-KR" sz="1600" b="1" dirty="0" smtClean="0"/>
+              <a:t> x=x-1 (</a:t>
+            </a:r>
+            <a:r>
+              <a:rPr lang="en-US" altLang="ko-KR" sz="1600" b="1" dirty="0" smtClean="0"/>
+              <a:t>x=7-1=6) </a:t>
+            </a:r>
+            <a:r>
+              <a:rPr lang="en-US" altLang="ko-KR" sz="1600" b="1" dirty="0" err="1" smtClean="0"/>
+              <a:t>jika</a:t>
+            </a:r>
+            <a:r>
+              <a:rPr lang="en-US" altLang="ko-KR" sz="1600" b="1" dirty="0" smtClean="0"/>
+              <a:t> x </a:t>
+            </a:r>
+            <a:r>
+              <a:rPr lang="en-US" altLang="ko-KR" sz="1600" b="1" dirty="0" err="1" smtClean="0"/>
+              <a:t>masih</a:t>
+            </a:r>
+            <a:r>
+              <a:rPr lang="en-US" altLang="ko-KR" sz="1600" b="1" dirty="0" smtClean="0"/>
+              <a:t> &gt;0 </a:t>
+            </a:r>
+            <a:r>
+              <a:rPr lang="en-US" altLang="ko-KR" sz="1600" b="1" dirty="0" err="1" smtClean="0"/>
+              <a:t>ulangi</a:t>
+            </a:r>
+            <a:r>
+              <a:rPr lang="en-US" altLang="ko-KR" sz="1600" b="1" dirty="0" smtClean="0"/>
+              <a:t> </a:t>
+            </a:r>
+            <a:r>
+              <a:rPr lang="en-US" altLang="ko-KR" sz="1600" b="1" dirty="0" err="1" smtClean="0"/>
+              <a:t>proses</a:t>
+            </a:r>
+            <a:r>
+              <a:rPr lang="en-US" altLang="ko-KR" sz="1600" b="1" dirty="0" smtClean="0"/>
+              <a:t> </a:t>
+            </a:r>
+            <a:r>
+              <a:rPr lang="en-US" altLang="ko-KR" sz="1600" b="1" dirty="0" err="1" smtClean="0"/>
+              <a:t>ini</a:t>
+            </a:r>
+            <a:r>
+              <a:rPr lang="en-US" altLang="ko-KR" sz="1600" b="1" dirty="0" smtClean="0"/>
+              <a:t>.</a:t>
+            </a:r>
+          </a:p>
+          <a:p>
+            <a:pPr marL="342900" indent="-342900">
+              <a:buFont typeface="+mj-lt"/>
+              <a:buAutoNum type="arabicPeriod"/>
+            </a:pPr>
+            <a:r>
+              <a:rPr lang="en-US" altLang="ko-KR" sz="1600" b="1" dirty="0" err="1" smtClean="0"/>
+              <a:t>jika</a:t>
+            </a:r>
+            <a:r>
+              <a:rPr lang="en-US" altLang="ko-KR" sz="1600" b="1" dirty="0" smtClean="0"/>
+              <a:t> </a:t>
+            </a:r>
+            <a:r>
+              <a:rPr lang="en-US" altLang="ko-KR" sz="1600" b="1" dirty="0" smtClean="0"/>
+              <a:t>x&lt;0 </a:t>
+            </a:r>
+            <a:r>
+              <a:rPr lang="en-US" altLang="ko-KR" sz="1600" b="1" dirty="0" err="1" smtClean="0"/>
+              <a:t>maka</a:t>
+            </a:r>
+            <a:r>
+              <a:rPr lang="en-US" altLang="ko-KR" sz="1600" b="1" dirty="0" smtClean="0"/>
+              <a:t> </a:t>
+            </a:r>
+            <a:r>
+              <a:rPr lang="en-US" altLang="ko-KR" sz="1600" b="1" dirty="0" err="1" smtClean="0"/>
+              <a:t>isi</a:t>
+            </a:r>
+            <a:r>
+              <a:rPr lang="en-US" altLang="ko-KR" sz="1600" b="1" dirty="0" smtClean="0"/>
+              <a:t> </a:t>
+            </a:r>
+            <a:r>
+              <a:rPr lang="en-US" altLang="ko-KR" sz="1600" b="1" dirty="0" err="1" smtClean="0"/>
+              <a:t>variabel</a:t>
+            </a:r>
+            <a:r>
+              <a:rPr lang="en-US" altLang="ko-KR" sz="1600" b="1" dirty="0" smtClean="0"/>
+              <a:t> output </a:t>
+            </a:r>
+            <a:r>
+              <a:rPr lang="en-US" altLang="ko-KR" sz="1600" b="1" dirty="0" err="1" smtClean="0"/>
+              <a:t>dengan</a:t>
+            </a:r>
+            <a:r>
+              <a:rPr lang="en-US" altLang="ko-KR" sz="1600" b="1" dirty="0" smtClean="0"/>
+              <a:t> (</a:t>
+            </a:r>
+            <a:r>
+              <a:rPr lang="en-US" altLang="ko-KR" sz="1600" b="1" dirty="0" err="1" smtClean="0"/>
+              <a:t>isi</a:t>
+            </a:r>
+            <a:r>
+              <a:rPr lang="en-US" altLang="ko-KR" sz="1600" b="1" dirty="0" smtClean="0"/>
+              <a:t> </a:t>
+            </a:r>
+            <a:r>
+              <a:rPr lang="en-US" altLang="ko-KR" sz="1600" b="1" dirty="0" err="1" smtClean="0"/>
+              <a:t>variabel</a:t>
+            </a:r>
+            <a:r>
+              <a:rPr lang="en-US" altLang="ko-KR" sz="1600" b="1" dirty="0" smtClean="0"/>
+              <a:t> temp </a:t>
+            </a:r>
+            <a:r>
+              <a:rPr lang="en-US" altLang="ko-KR" sz="1600" b="1" dirty="0" err="1" smtClean="0"/>
+              <a:t>saat</a:t>
+            </a:r>
+            <a:r>
+              <a:rPr lang="en-US" altLang="ko-KR" sz="1600" b="1" dirty="0" smtClean="0"/>
+              <a:t> </a:t>
+            </a:r>
+            <a:r>
+              <a:rPr lang="en-US" altLang="ko-KR" sz="1600" b="1" dirty="0" err="1" smtClean="0"/>
+              <a:t>ini</a:t>
+            </a:r>
+            <a:r>
+              <a:rPr lang="en-US" altLang="ko-KR" sz="1600" b="1" dirty="0" smtClean="0"/>
+              <a:t> + </a:t>
+            </a:r>
+            <a:r>
+              <a:rPr lang="en-US" altLang="ko-KR" sz="1600" b="1" dirty="0" err="1" smtClean="0"/>
+              <a:t>isi</a:t>
+            </a:r>
+            <a:r>
+              <a:rPr lang="en-US" altLang="ko-KR" sz="1600" b="1" dirty="0" smtClean="0"/>
+              <a:t>  </a:t>
+            </a:r>
+            <a:r>
+              <a:rPr lang="en-US" altLang="ko-KR" sz="1600" b="1" dirty="0" err="1" smtClean="0"/>
+              <a:t>variabel</a:t>
+            </a:r>
+            <a:r>
+              <a:rPr lang="en-US" altLang="ko-KR" sz="1600" b="1" dirty="0" smtClean="0"/>
+              <a:t> output </a:t>
+            </a:r>
+            <a:r>
+              <a:rPr lang="en-US" altLang="ko-KR" sz="1600" b="1" dirty="0" err="1" smtClean="0"/>
+              <a:t>saat</a:t>
+            </a:r>
+            <a:r>
+              <a:rPr lang="en-US" altLang="ko-KR" sz="1600" b="1" dirty="0" smtClean="0"/>
+              <a:t> </a:t>
+            </a:r>
+            <a:r>
+              <a:rPr lang="en-US" altLang="ko-KR" sz="1600" b="1" dirty="0" err="1" smtClean="0"/>
+              <a:t>ini</a:t>
+            </a:r>
+            <a:r>
+              <a:rPr lang="en-US" altLang="ko-KR" sz="1600" b="1" dirty="0" smtClean="0"/>
+              <a:t>)</a:t>
+            </a:r>
+          </a:p>
+          <a:p>
+            <a:pPr marL="342900" indent="-342900">
+              <a:buFont typeface="+mj-lt"/>
+              <a:buAutoNum type="arabicPeriod"/>
+            </a:pPr>
+            <a:r>
+              <a:rPr lang="en-US" altLang="ko-KR" sz="1600" b="1" dirty="0" err="1" smtClean="0"/>
+              <a:t>selesai</a:t>
+            </a:r>
+            <a:endParaRPr lang="ko-KR" altLang="en-US" sz="1600" b="1" dirty="0"/>
+          </a:p>
+        </p:txBody>
+      </p:sp>
     </p:spTree>
     <p:extLst>
       <p:ext uri="{BB962C8B-B14F-4D97-AF65-F5344CB8AC3E}">
-        <p14:creationId xmlns:p14="http://schemas.microsoft.com/office/powerpoint/2010/main" xmlns="" val="3659674305"/>
+        <p14:creationId xmlns:p14="http://schemas.microsoft.com/office/powerpoint/2010/main" xmlns="" val="891763176"/>
       </p:ext>
     </p:extLst>
   </p:cSld>
@@ -6110,7 +6977,11 @@
             <a:pPr lvl="0"/>
             <a:r>
               <a:rPr lang="en-US" altLang="ko-KR" b="1" dirty="0" smtClean="0"/>
-              <a:t>1. Flowchart Reverse Word</a:t>
+              <a:t>1. Flowchart </a:t>
+            </a:r>
+            <a:r>
+              <a:rPr lang="en-US" altLang="ko-KR" b="1" dirty="0" err="1" smtClean="0"/>
+              <a:t>Palindrom</a:t>
             </a:r>
             <a:endParaRPr lang="en-US" altLang="ko-KR" b="1" dirty="0">
               <a:solidFill>
@@ -6127,7 +6998,7 @@
       </p:sp>
       <p:pic>
         <p:nvPicPr>
-          <p:cNvPr id="2051" name="Picture 3" descr="C:\Users\F\Desktop\berkas bootcamp\latihan coding\HTML\week6\tugas1\flowchart_reverse_word.png"/>
+          <p:cNvPr id="1028" name="Picture 4" descr="C:\Users\F\Desktop\berkas bootcamp\latihan coding\HTML\week6\tugas1\flowchart_palindrom.png"/>
           <p:cNvPicPr>
             <a:picLocks noChangeAspect="1" noChangeArrowheads="1"/>
           </p:cNvPicPr>
@@ -6142,8 +7013,224 @@
         </p:blipFill>
         <p:spPr bwMode="auto">
           <a:xfrm>
-            <a:off x="72008" y="1124745"/>
-            <a:ext cx="8964488" cy="5616624"/>
+            <a:off x="220733" y="1268760"/>
+            <a:ext cx="8671747" cy="5400600"/>
+          </a:xfrm>
+          <a:prstGeom prst="rect">
+            <a:avLst/>
+          </a:prstGeom>
+          <a:noFill/>
+        </p:spPr>
+      </p:pic>
+    </p:spTree>
+    <p:extLst>
+      <p:ext uri="{BB962C8B-B14F-4D97-AF65-F5344CB8AC3E}">
+        <p14:creationId xmlns:p14="http://schemas.microsoft.com/office/powerpoint/2010/main" xmlns="" val="3659674305"/>
+      </p:ext>
+    </p:extLst>
+  </p:cSld>
+  <p:clrMapOvr>
+    <a:masterClrMapping/>
+  </p:clrMapOvr>
+</p:sld>
+</file>
+
+<file path=ppt/slides/slide6.xml><?xml version="1.0" encoding="utf-8"?>
+<p:sld xmlns:a="http://schemas.openxmlformats.org/drawingml/2006/main" xmlns:r="http://schemas.openxmlformats.org/officeDocument/2006/relationships" xmlns:p="http://schemas.openxmlformats.org/presentationml/2006/main">
+  <p:cSld>
+    <p:spTree>
+      <p:nvGrpSpPr>
+        <p:cNvPr id="1" name=""/>
+        <p:cNvGrpSpPr/>
+        <p:nvPr/>
+      </p:nvGrpSpPr>
+      <p:grpSpPr>
+        <a:xfrm>
+          <a:off x="0" y="0"/>
+          <a:ext cx="0" cy="0"/>
+          <a:chOff x="0" y="0"/>
+          <a:chExt cx="0" cy="0"/>
+        </a:xfrm>
+      </p:grpSpPr>
+      <p:sp>
+        <p:nvSpPr>
+          <p:cNvPr id="8" name="Content Placeholder 5"/>
+          <p:cNvSpPr>
+            <a:spLocks noGrp="1"/>
+          </p:cNvSpPr>
+          <p:nvPr>
+            <p:ph idx="1"/>
+          </p:nvPr>
+        </p:nvSpPr>
+        <p:spPr>
+          <a:xfrm>
+            <a:off x="1691680" y="476672"/>
+            <a:ext cx="5616624" cy="460648"/>
+          </a:xfrm>
+        </p:spPr>
+        <p:style>
+          <a:lnRef idx="2">
+            <a:schemeClr val="accent3"/>
+          </a:lnRef>
+          <a:fillRef idx="1">
+            <a:schemeClr val="lt1"/>
+          </a:fillRef>
+          <a:effectRef idx="0">
+            <a:schemeClr val="accent3"/>
+          </a:effectRef>
+          <a:fontRef idx="minor">
+            <a:schemeClr val="dk1"/>
+          </a:fontRef>
+        </p:style>
+        <p:txBody>
+          <a:bodyPr/>
+          <a:lstStyle/>
+          <a:p>
+            <a:pPr lvl="0"/>
+            <a:r>
+              <a:rPr lang="en-US" altLang="ko-KR" b="1" dirty="0" smtClean="0"/>
+              <a:t>2. Flowchart Reverse Word</a:t>
+            </a:r>
+            <a:endParaRPr lang="en-US" altLang="ko-KR" b="1" dirty="0">
+              <a:solidFill>
+                <a:schemeClr val="tx1">
+                  <a:lumMod val="75000"/>
+                  <a:lumOff val="25000"/>
+                </a:schemeClr>
+              </a:solidFill>
+              <a:latin typeface="Arial" pitchFamily="34" charset="0"/>
+              <a:cs typeface="Arial" pitchFamily="34" charset="0"/>
+            </a:endParaRPr>
+          </a:p>
+        </p:txBody>
+      </p:sp>
+      <p:pic>
+        <p:nvPicPr>
+          <p:cNvPr id="2" name="Picture 3" descr="C:\Users\F\Desktop\berkas bootcamp\latihan coding\HTML\week6\tugas1\flowchart_reverse_word.png"/>
+          <p:cNvPicPr>
+            <a:picLocks noChangeAspect="1" noChangeArrowheads="1"/>
+          </p:cNvPicPr>
+          <p:nvPr/>
+        </p:nvPicPr>
+        <p:blipFill>
+          <a:blip r:embed="rId2" cstate="print"/>
+          <a:srcRect/>
+          <a:stretch>
+            <a:fillRect/>
+          </a:stretch>
+        </p:blipFill>
+        <p:spPr bwMode="auto">
+          <a:xfrm>
+            <a:off x="467543" y="1340768"/>
+            <a:ext cx="8395701" cy="5112568"/>
+          </a:xfrm>
+          <a:prstGeom prst="rect">
+            <a:avLst/>
+          </a:prstGeom>
+          <a:noFill/>
+        </p:spPr>
+      </p:pic>
+    </p:spTree>
+    <p:extLst>
+      <p:ext uri="{BB962C8B-B14F-4D97-AF65-F5344CB8AC3E}">
+        <p14:creationId xmlns:p14="http://schemas.microsoft.com/office/powerpoint/2010/main" xmlns="" val="3659674305"/>
+      </p:ext>
+    </p:extLst>
+  </p:cSld>
+  <p:clrMapOvr>
+    <a:masterClrMapping/>
+  </p:clrMapOvr>
+</p:sld>
+</file>
+
+<file path=ppt/slides/slide7.xml><?xml version="1.0" encoding="utf-8"?>
+<p:sld xmlns:a="http://schemas.openxmlformats.org/drawingml/2006/main" xmlns:r="http://schemas.openxmlformats.org/officeDocument/2006/relationships" xmlns:p="http://schemas.openxmlformats.org/presentationml/2006/main">
+  <p:cSld>
+    <p:spTree>
+      <p:nvGrpSpPr>
+        <p:cNvPr id="1" name=""/>
+        <p:cNvGrpSpPr/>
+        <p:nvPr/>
+      </p:nvGrpSpPr>
+      <p:grpSpPr>
+        <a:xfrm>
+          <a:off x="0" y="0"/>
+          <a:ext cx="0" cy="0"/>
+          <a:chOff x="0" y="0"/>
+          <a:chExt cx="0" cy="0"/>
+        </a:xfrm>
+      </p:grpSpPr>
+      <p:sp>
+        <p:nvSpPr>
+          <p:cNvPr id="8" name="Content Placeholder 5"/>
+          <p:cNvSpPr>
+            <a:spLocks noGrp="1"/>
+          </p:cNvSpPr>
+          <p:nvPr>
+            <p:ph idx="1"/>
+          </p:nvPr>
+        </p:nvSpPr>
+        <p:spPr>
+          <a:xfrm>
+            <a:off x="1691680" y="476672"/>
+            <a:ext cx="5616624" cy="460648"/>
+          </a:xfrm>
+        </p:spPr>
+        <p:style>
+          <a:lnRef idx="2">
+            <a:schemeClr val="accent3"/>
+          </a:lnRef>
+          <a:fillRef idx="1">
+            <a:schemeClr val="lt1"/>
+          </a:fillRef>
+          <a:effectRef idx="0">
+            <a:schemeClr val="accent3"/>
+          </a:effectRef>
+          <a:fontRef idx="minor">
+            <a:schemeClr val="dk1"/>
+          </a:fontRef>
+        </p:style>
+        <p:txBody>
+          <a:bodyPr/>
+          <a:lstStyle/>
+          <a:p>
+            <a:pPr lvl="0"/>
+            <a:r>
+              <a:rPr lang="en-US" altLang="ko-KR" b="1" dirty="0" smtClean="0"/>
+              <a:t>3. Flowchart Changing Word</a:t>
+            </a:r>
+            <a:endParaRPr lang="en-US" altLang="ko-KR" b="1" dirty="0">
+              <a:solidFill>
+                <a:schemeClr val="tx1">
+                  <a:lumMod val="75000"/>
+                  <a:lumOff val="25000"/>
+                </a:schemeClr>
+              </a:solidFill>
+              <a:latin typeface="Arial" pitchFamily="34" charset="0"/>
+              <a:cs typeface="Arial" pitchFamily="34" charset="0"/>
+            </a:endParaRPr>
+          </a:p>
+        </p:txBody>
+      </p:sp>
+      <p:pic>
+        <p:nvPicPr>
+          <p:cNvPr id="3074" name="Picture 2" descr="C:\Users\F\Desktop\berkas bootcamp\latihan coding\HTML\week6\tugas1\flowchart_changing_word.png"/>
+          <p:cNvPicPr>
+            <a:picLocks noChangeAspect="1" noChangeArrowheads="1"/>
+          </p:cNvPicPr>
+          <p:nvPr/>
+        </p:nvPicPr>
+        <p:blipFill>
+          <a:blip r:embed="rId2" cstate="print"/>
+          <a:srcRect/>
+          <a:stretch>
+            <a:fillRect/>
+          </a:stretch>
+        </p:blipFill>
+        <p:spPr bwMode="auto">
+          <a:xfrm>
+            <a:off x="323528" y="1268760"/>
+            <a:ext cx="8568952" cy="5400600"/>
           </a:xfrm>
           <a:prstGeom prst="rect">
             <a:avLst/>
